--- a/presentation/aws-batch-runner.pptx
+++ b/presentation/aws-batch-runner.pptx
@@ -6,11 +6,14 @@
   </p:sldMasterIdLst>
   <p:sldIdLst>
     <p:sldId id="256" r:id="rId2"/>
-    <p:sldId id="257" r:id="rId3"/>
-    <p:sldId id="260" r:id="rId4"/>
-    <p:sldId id="258" r:id="rId5"/>
-    <p:sldId id="259" r:id="rId6"/>
-    <p:sldId id="261" r:id="rId7"/>
+    <p:sldId id="258" r:id="rId3"/>
+    <p:sldId id="259" r:id="rId4"/>
+    <p:sldId id="257" r:id="rId5"/>
+    <p:sldId id="260" r:id="rId6"/>
+    <p:sldId id="262" r:id="rId7"/>
+    <p:sldId id="263" r:id="rId8"/>
+    <p:sldId id="264" r:id="rId9"/>
+    <p:sldId id="261" r:id="rId10"/>
   </p:sldIdLst>
   <p:sldSz cx="12192000" cy="6858000"/>
   <p:notesSz cx="6858000" cy="9144000"/>
@@ -2305,7 +2308,7 @@
             <a:fld id="{A5B0A250-5CC0-1746-B209-08E8B0DAE6AF}" type="datetimeFigureOut">
               <a:rPr lang="en-US" smtClean="0"/>
               <a:pPr algn="l"/>
-              <a:t>2/17/2022</a:t>
+              <a:t>2/19/2022</a:t>
             </a:fld>
             <a:endParaRPr lang="en-US" dirty="0"/>
           </a:p>
@@ -3767,7 +3770,7 @@
           <a:p>
             <a:fld id="{A5B0A250-5CC0-1746-B209-08E8B0DAE6AF}" type="datetimeFigureOut">
               <a:rPr lang="en-US" smtClean="0"/>
-              <a:t>2/17/2022</a:t>
+              <a:t>2/19/2022</a:t>
             </a:fld>
             <a:endParaRPr lang="en-US" dirty="0"/>
           </a:p>
@@ -4697,7 +4700,7 @@
           <a:p>
             <a:fld id="{A5B0A250-5CC0-1746-B209-08E8B0DAE6AF}" type="datetimeFigureOut">
               <a:rPr lang="en-US" smtClean="0"/>
-              <a:t>2/17/2022</a:t>
+              <a:t>2/19/2022</a:t>
             </a:fld>
             <a:endParaRPr lang="en-US"/>
           </a:p>
@@ -6154,7 +6157,7 @@
           <a:p>
             <a:fld id="{A5B0A250-5CC0-1746-B209-08E8B0DAE6AF}" type="datetimeFigureOut">
               <a:rPr lang="en-US" smtClean="0"/>
-              <a:t>2/17/2022</a:t>
+              <a:t>2/19/2022</a:t>
             </a:fld>
             <a:endParaRPr lang="en-US" dirty="0"/>
           </a:p>
@@ -8510,7 +8513,7 @@
           <a:p>
             <a:fld id="{A5B0A250-5CC0-1746-B209-08E8B0DAE6AF}" type="datetimeFigureOut">
               <a:rPr lang="en-US" smtClean="0"/>
-              <a:t>2/17/2022</a:t>
+              <a:t>2/19/2022</a:t>
             </a:fld>
             <a:endParaRPr lang="en-US" dirty="0"/>
           </a:p>
@@ -9551,7 +9554,7 @@
           <a:p>
             <a:fld id="{A5B0A250-5CC0-1746-B209-08E8B0DAE6AF}" type="datetimeFigureOut">
               <a:rPr lang="en-US" smtClean="0"/>
-              <a:t>2/17/2022</a:t>
+              <a:t>2/19/2022</a:t>
             </a:fld>
             <a:endParaRPr lang="en-US" dirty="0"/>
           </a:p>
@@ -10764,7 +10767,7 @@
           <a:p>
             <a:fld id="{A5B0A250-5CC0-1746-B209-08E8B0DAE6AF}" type="datetimeFigureOut">
               <a:rPr lang="en-US" smtClean="0"/>
-              <a:t>2/17/2022</a:t>
+              <a:t>2/19/2022</a:t>
             </a:fld>
             <a:endParaRPr lang="en-US" dirty="0"/>
           </a:p>
@@ -11673,7 +11676,7 @@
           <a:p>
             <a:fld id="{A5B0A250-5CC0-1746-B209-08E8B0DAE6AF}" type="datetimeFigureOut">
               <a:rPr lang="en-US" smtClean="0"/>
-              <a:t>2/17/2022</a:t>
+              <a:t>2/19/2022</a:t>
             </a:fld>
             <a:endParaRPr lang="en-US" dirty="0"/>
           </a:p>
@@ -11832,7 +11835,7 @@
             <a:fld id="{A5B0A250-5CC0-1746-B209-08E8B0DAE6AF}" type="datetimeFigureOut">
               <a:rPr lang="en-US" smtClean="0"/>
               <a:pPr/>
-              <a:t>2/17/2022</a:t>
+              <a:t>2/19/2022</a:t>
             </a:fld>
             <a:endParaRPr lang="en-US" dirty="0"/>
           </a:p>
@@ -12815,7 +12818,7 @@
           <a:p>
             <a:fld id="{A5B0A250-5CC0-1746-B209-08E8B0DAE6AF}" type="datetimeFigureOut">
               <a:rPr lang="en-US" smtClean="0"/>
-              <a:t>2/17/2022</a:t>
+              <a:t>2/19/2022</a:t>
             </a:fld>
             <a:endParaRPr lang="en-US" dirty="0"/>
           </a:p>
@@ -13877,7 +13880,7 @@
           <a:p>
             <a:fld id="{A5B0A250-5CC0-1746-B209-08E8B0DAE6AF}" type="datetimeFigureOut">
               <a:rPr lang="en-US" smtClean="0"/>
-              <a:t>2/17/2022</a:t>
+              <a:t>2/19/2022</a:t>
             </a:fld>
             <a:endParaRPr lang="en-US" dirty="0"/>
           </a:p>
@@ -14165,7 +14168,7 @@
             <a:fld id="{A5B0A250-5CC0-1746-B209-08E8B0DAE6AF}" type="datetimeFigureOut">
               <a:rPr lang="en-US" smtClean="0"/>
               <a:pPr/>
-              <a:t>2/17/2022</a:t>
+              <a:t>2/19/2022</a:t>
             </a:fld>
             <a:endParaRPr lang="en-US" dirty="0"/>
           </a:p>
@@ -15585,6 +15588,235 @@
 <file path=ppt/slides/slide2.xml><?xml version="1.0" encoding="utf-8"?>
 <p:sld xmlns:a="http://schemas.openxmlformats.org/drawingml/2006/main" xmlns:r="http://schemas.openxmlformats.org/officeDocument/2006/relationships" xmlns:p="http://schemas.openxmlformats.org/presentationml/2006/main">
   <p:cSld>
+    <p:spTree>
+      <p:nvGrpSpPr>
+        <p:cNvPr id="1" name=""/>
+        <p:cNvGrpSpPr/>
+        <p:nvPr/>
+      </p:nvGrpSpPr>
+      <p:grpSpPr>
+        <a:xfrm>
+          <a:off x="0" y="0"/>
+          <a:ext cx="0" cy="0"/>
+          <a:chOff x="0" y="0"/>
+          <a:chExt cx="0" cy="0"/>
+        </a:xfrm>
+      </p:grpSpPr>
+      <p:sp>
+        <p:nvSpPr>
+          <p:cNvPr id="2" name="Title 1">
+            <a:extLst>
+              <a:ext uri="{FF2B5EF4-FFF2-40B4-BE49-F238E27FC236}">
+                <a16:creationId xmlns:a16="http://schemas.microsoft.com/office/drawing/2014/main" id="{1BFC87DB-E3C2-46EF-A5EA-372A19F4BC16}"/>
+              </a:ext>
+            </a:extLst>
+          </p:cNvPr>
+          <p:cNvSpPr>
+            <a:spLocks noGrp="1"/>
+          </p:cNvSpPr>
+          <p:nvPr>
+            <p:ph type="title"/>
+          </p:nvPr>
+        </p:nvSpPr>
+        <p:spPr/>
+        <p:txBody>
+          <a:bodyPr/>
+          <a:lstStyle/>
+          <a:p>
+            <a:r>
+              <a:rPr lang="en-US" dirty="0"/>
+              <a:t>AWS Batch: What is it?</a:t>
+            </a:r>
+          </a:p>
+        </p:txBody>
+      </p:sp>
+      <p:sp>
+        <p:nvSpPr>
+          <p:cNvPr id="3" name="Content Placeholder 2">
+            <a:extLst>
+              <a:ext uri="{FF2B5EF4-FFF2-40B4-BE49-F238E27FC236}">
+                <a16:creationId xmlns:a16="http://schemas.microsoft.com/office/drawing/2014/main" id="{C61E34DA-0F2F-4750-8A1A-379A703840C6}"/>
+              </a:ext>
+            </a:extLst>
+          </p:cNvPr>
+          <p:cNvSpPr>
+            <a:spLocks noGrp="1"/>
+          </p:cNvSpPr>
+          <p:nvPr>
+            <p:ph idx="1"/>
+          </p:nvPr>
+        </p:nvSpPr>
+        <p:spPr>
+          <a:xfrm>
+            <a:off x="565151" y="2160016"/>
+            <a:ext cx="6161470" cy="3601212"/>
+          </a:xfrm>
+        </p:spPr>
+        <p:txBody>
+          <a:bodyPr>
+            <a:normAutofit fontScale="92500" lnSpcReduction="10000"/>
+          </a:bodyPr>
+          <a:lstStyle/>
+          <a:p>
+            <a:r>
+              <a:rPr lang="en-US" dirty="0"/>
+              <a:t>Abstraction layer to simplify dynamic workloads</a:t>
+            </a:r>
+          </a:p>
+          <a:p>
+            <a:r>
+              <a:rPr lang="en-US" dirty="0"/>
+              <a:t>Runs on either EC2 (Elastic Cloud  Compute) or ECS </a:t>
+            </a:r>
+            <a:r>
+              <a:rPr lang="en-US" dirty="0" err="1"/>
+              <a:t>Fargate</a:t>
+            </a:r>
+            <a:r>
+              <a:rPr lang="en-US" dirty="0"/>
+              <a:t> (Elastic Container System)</a:t>
+            </a:r>
+          </a:p>
+          <a:p>
+            <a:r>
+              <a:rPr lang="en-US" dirty="0"/>
+              <a:t>Consists of</a:t>
+            </a:r>
+          </a:p>
+          <a:p>
+            <a:pPr lvl="1"/>
+            <a:r>
+              <a:rPr lang="en-US" dirty="0"/>
+              <a:t>Compute Environment: what it runs on</a:t>
+            </a:r>
+          </a:p>
+          <a:p>
+            <a:pPr lvl="1"/>
+            <a:r>
+              <a:rPr lang="en-US" dirty="0"/>
+              <a:t>Job Queue: FIFO scheduling</a:t>
+            </a:r>
+          </a:p>
+          <a:p>
+            <a:pPr lvl="1"/>
+            <a:r>
+              <a:rPr lang="en-US" dirty="0"/>
+              <a:t>Job Definition: Execution parameters, such as command line and Docker image</a:t>
+            </a:r>
+          </a:p>
+          <a:p>
+            <a:pPr lvl="1"/>
+            <a:endParaRPr lang="en-US" dirty="0"/>
+          </a:p>
+          <a:p>
+            <a:endParaRPr lang="en-US" dirty="0"/>
+          </a:p>
+        </p:txBody>
+      </p:sp>
+    </p:spTree>
+    <p:extLst>
+      <p:ext uri="{BB962C8B-B14F-4D97-AF65-F5344CB8AC3E}">
+        <p14:creationId xmlns:p14="http://schemas.microsoft.com/office/powerpoint/2010/main" val="2429106961"/>
+      </p:ext>
+    </p:extLst>
+  </p:cSld>
+  <p:clrMapOvr>
+    <a:masterClrMapping/>
+  </p:clrMapOvr>
+</p:sld>
+</file>
+
+<file path=ppt/slides/slide3.xml><?xml version="1.0" encoding="utf-8"?>
+<p:sld xmlns:a="http://schemas.openxmlformats.org/drawingml/2006/main" xmlns:r="http://schemas.openxmlformats.org/officeDocument/2006/relationships" xmlns:p="http://schemas.openxmlformats.org/presentationml/2006/main">
+  <p:cSld>
+    <p:spTree>
+      <p:nvGrpSpPr>
+        <p:cNvPr id="1" name=""/>
+        <p:cNvGrpSpPr/>
+        <p:nvPr/>
+      </p:nvGrpSpPr>
+      <p:grpSpPr>
+        <a:xfrm>
+          <a:off x="0" y="0"/>
+          <a:ext cx="0" cy="0"/>
+          <a:chOff x="0" y="0"/>
+          <a:chExt cx="0" cy="0"/>
+        </a:xfrm>
+      </p:grpSpPr>
+      <p:sp>
+        <p:nvSpPr>
+          <p:cNvPr id="2" name="Title 1">
+            <a:extLst>
+              <a:ext uri="{FF2B5EF4-FFF2-40B4-BE49-F238E27FC236}">
+                <a16:creationId xmlns:a16="http://schemas.microsoft.com/office/drawing/2014/main" id="{E3B6D1B4-7E64-455C-B75E-4ABA03661ED8}"/>
+              </a:ext>
+            </a:extLst>
+          </p:cNvPr>
+          <p:cNvSpPr>
+            <a:spLocks noGrp="1"/>
+          </p:cNvSpPr>
+          <p:nvPr>
+            <p:ph type="title"/>
+          </p:nvPr>
+        </p:nvSpPr>
+        <p:spPr/>
+        <p:txBody>
+          <a:bodyPr/>
+          <a:lstStyle/>
+          <a:p>
+            <a:r>
+              <a:rPr lang="en-US" dirty="0"/>
+              <a:t>Batch Resource Relationship</a:t>
+            </a:r>
+          </a:p>
+        </p:txBody>
+      </p:sp>
+      <p:pic>
+        <p:nvPicPr>
+          <p:cNvPr id="24" name="Picture 23">
+            <a:extLst>
+              <a:ext uri="{FF2B5EF4-FFF2-40B4-BE49-F238E27FC236}">
+                <a16:creationId xmlns:a16="http://schemas.microsoft.com/office/drawing/2014/main" id="{D8087245-67A0-4310-B777-8CD9343C12AE}"/>
+              </a:ext>
+            </a:extLst>
+          </p:cNvPr>
+          <p:cNvPicPr>
+            <a:picLocks noChangeAspect="1"/>
+          </p:cNvPicPr>
+          <p:nvPr/>
+        </p:nvPicPr>
+        <p:blipFill>
+          <a:blip r:embed="rId2"/>
+          <a:stretch>
+            <a:fillRect/>
+          </a:stretch>
+        </p:blipFill>
+        <p:spPr>
+          <a:xfrm>
+            <a:off x="1072509" y="1562104"/>
+            <a:ext cx="6496957" cy="4525006"/>
+          </a:xfrm>
+          <a:prstGeom prst="rect">
+            <a:avLst/>
+          </a:prstGeom>
+        </p:spPr>
+      </p:pic>
+    </p:spTree>
+    <p:extLst>
+      <p:ext uri="{BB962C8B-B14F-4D97-AF65-F5344CB8AC3E}">
+        <p14:creationId xmlns:p14="http://schemas.microsoft.com/office/powerpoint/2010/main" val="2923041795"/>
+      </p:ext>
+    </p:extLst>
+  </p:cSld>
+  <p:clrMapOvr>
+    <a:masterClrMapping/>
+  </p:clrMapOvr>
+</p:sld>
+</file>
+
+<file path=ppt/slides/slide4.xml><?xml version="1.0" encoding="utf-8"?>
+<p:sld xmlns:a="http://schemas.openxmlformats.org/drawingml/2006/main" xmlns:r="http://schemas.openxmlformats.org/officeDocument/2006/relationships" xmlns:p="http://schemas.openxmlformats.org/presentationml/2006/main">
+  <p:cSld>
     <p:bg>
       <p:bgPr>
         <a:solidFill>
@@ -15696,10 +15928,9 @@
           <a:lstStyle/>
           <a:p>
             <a:r>
-              <a:rPr lang="en-US"/>
-              <a:t>Why AWS Batch?</a:t>
+              <a:rPr lang="en-US" dirty="0"/>
+              <a:t>AWS Batch:  Why?</a:t>
             </a:r>
-            <a:endParaRPr lang="en-US" dirty="0"/>
           </a:p>
         </p:txBody>
       </p:sp>
@@ -15727,7 +15958,7 @@
         </p:spPr>
         <p:txBody>
           <a:bodyPr>
-            <a:normAutofit/>
+            <a:normAutofit fontScale="92500" lnSpcReduction="10000"/>
           </a:bodyPr>
           <a:lstStyle/>
           <a:p>
@@ -15771,13 +16002,14 @@
           <a:p>
             <a:r>
               <a:rPr lang="en-US" dirty="0"/>
-              <a:t>You define </a:t>
+              <a:t>You define the environment!</a:t>
             </a:r>
+          </a:p>
+          <a:p>
             <a:r>
-              <a:rPr lang="en-US"/>
-              <a:t>the environment!</a:t>
+              <a:rPr lang="en-US" dirty="0"/>
+              <a:t>Spot instances supported</a:t>
             </a:r>
-            <a:endParaRPr lang="en-US" dirty="0"/>
           </a:p>
         </p:txBody>
       </p:sp>
@@ -16404,7 +16636,7 @@
 </p:sld>
 </file>
 
-<file path=ppt/slides/slide3.xml><?xml version="1.0" encoding="utf-8"?>
+<file path=ppt/slides/slide5.xml><?xml version="1.0" encoding="utf-8"?>
 <p:sld xmlns:a="http://schemas.openxmlformats.org/drawingml/2006/main" xmlns:r="http://schemas.openxmlformats.org/officeDocument/2006/relationships" xmlns:p="http://schemas.openxmlformats.org/presentationml/2006/main">
   <p:cSld>
     <p:spTree>
@@ -16444,7 +16676,7 @@
           <a:p>
             <a:r>
               <a:rPr lang="en-US" dirty="0"/>
-              <a:t>Why not AWS Batch?</a:t>
+              <a:t>AWS Batch: Why NOT?</a:t>
             </a:r>
           </a:p>
         </p:txBody>
@@ -16499,7 +16731,7 @@
             <a:pPr lvl="1"/>
             <a:r>
               <a:rPr lang="en-US" dirty="0"/>
-              <a:t>AWS Batch: except keep at least one computer environment running</a:t>
+              <a:t>AWS Batch: except keep at least one compute environment running</a:t>
             </a:r>
           </a:p>
           <a:p>
@@ -16553,7 +16785,3332 @@
 </p:sld>
 </file>
 
-<file path=ppt/slides/slide4.xml><?xml version="1.0" encoding="utf-8"?>
+<file path=ppt/slides/slide6.xml><?xml version="1.0" encoding="utf-8"?>
+<p:sld xmlns:a="http://schemas.openxmlformats.org/drawingml/2006/main" xmlns:r="http://schemas.openxmlformats.org/officeDocument/2006/relationships" xmlns:p="http://schemas.openxmlformats.org/presentationml/2006/main">
+  <p:cSld>
+    <p:bg>
+      <p:bgPr>
+        <a:solidFill>
+          <a:schemeClr val="bg1"/>
+        </a:solidFill>
+        <a:effectLst/>
+      </p:bgPr>
+    </p:bg>
+    <p:spTree>
+      <p:nvGrpSpPr>
+        <p:cNvPr id="1" name=""/>
+        <p:cNvGrpSpPr/>
+        <p:nvPr/>
+      </p:nvGrpSpPr>
+      <p:grpSpPr>
+        <a:xfrm>
+          <a:off x="0" y="0"/>
+          <a:ext cx="0" cy="0"/>
+          <a:chOff x="0" y="0"/>
+          <a:chExt cx="0" cy="0"/>
+        </a:xfrm>
+      </p:grpSpPr>
+      <p:grpSp>
+        <p:nvGrpSpPr>
+          <p:cNvPr id="10" name="Group 9">
+            <a:extLst>
+              <a:ext uri="{FF2B5EF4-FFF2-40B4-BE49-F238E27FC236}">
+                <a16:creationId xmlns:a16="http://schemas.microsoft.com/office/drawing/2014/main" id="{EB46B8FB-F6A2-5F47-A6CD-A7E17E69270F}"/>
+              </a:ext>
+              <a:ext uri="{C183D7F6-B498-43B3-948B-1728B52AA6E4}">
+                <adec:decorative xmlns:adec="http://schemas.microsoft.com/office/drawing/2017/decorative" val="1"/>
+              </a:ext>
+            </a:extLst>
+          </p:cNvPr>
+          <p:cNvGrpSpPr>
+            <a:grpSpLocks noGrp="1" noUngrp="1" noRot="1" noChangeAspect="1" noMove="1" noResize="1"/>
+          </p:cNvGrpSpPr>
+          <p:nvPr>
+            <p:extLst>
+              <p:ext uri="{386F3935-93C4-4BCD-93E2-E3B085C9AB24}">
+                <p16:designElem xmlns:p16="http://schemas.microsoft.com/office/powerpoint/2015/main" val="1"/>
+              </p:ext>
+            </p:extLst>
+          </p:nvPr>
+        </p:nvGrpSpPr>
+        <p:grpSpPr>
+          <a:xfrm>
+            <a:off x="6201388" y="0"/>
+            <a:ext cx="5990612" cy="6858001"/>
+            <a:chOff x="6201388" y="0"/>
+            <a:chExt cx="5990612" cy="6858001"/>
+          </a:xfrm>
+        </p:grpSpPr>
+        <p:sp>
+          <p:nvSpPr>
+            <p:cNvPr id="11" name="Oval 10">
+              <a:extLst>
+                <a:ext uri="{FF2B5EF4-FFF2-40B4-BE49-F238E27FC236}">
+                  <a16:creationId xmlns:a16="http://schemas.microsoft.com/office/drawing/2014/main" id="{419BDE93-3EC2-4E4D-BC0B-417378F49EDA}"/>
+                </a:ext>
+                <a:ext uri="{C183D7F6-B498-43B3-948B-1728B52AA6E4}">
+                  <adec:decorative xmlns:adec="http://schemas.microsoft.com/office/drawing/2017/decorative" val="1"/>
+                </a:ext>
+              </a:extLst>
+            </p:cNvPr>
+            <p:cNvSpPr/>
+            <p:nvPr>
+              <p:extLst>
+                <p:ext uri="{386F3935-93C4-4BCD-93E2-E3B085C9AB24}">
+                  <p16:designElem xmlns:p16="http://schemas.microsoft.com/office/powerpoint/2015/main" val="1"/>
+                </p:ext>
+              </p:extLst>
+            </p:nvPr>
+          </p:nvSpPr>
+          <p:spPr>
+            <a:xfrm>
+              <a:off x="6201388" y="3549396"/>
+              <a:ext cx="1130725" cy="1130724"/>
+            </a:xfrm>
+            <a:prstGeom prst="ellipse">
+              <a:avLst/>
+            </a:prstGeom>
+            <a:solidFill>
+              <a:schemeClr val="bg2"/>
+            </a:solidFill>
+            <a:ln>
+              <a:noFill/>
+            </a:ln>
+          </p:spPr>
+          <p:style>
+            <a:lnRef idx="2">
+              <a:schemeClr val="accent1">
+                <a:shade val="50000"/>
+              </a:schemeClr>
+            </a:lnRef>
+            <a:fillRef idx="1">
+              <a:schemeClr val="accent1"/>
+            </a:fillRef>
+            <a:effectRef idx="0">
+              <a:schemeClr val="accent1"/>
+            </a:effectRef>
+            <a:fontRef idx="minor">
+              <a:schemeClr val="lt1"/>
+            </a:fontRef>
+          </p:style>
+          <p:txBody>
+            <a:bodyPr rtlCol="0" anchor="ctr"/>
+            <a:lstStyle/>
+            <a:p>
+              <a:pPr algn="ctr"/>
+              <a:endParaRPr lang="en-US"/>
+            </a:p>
+          </p:txBody>
+        </p:sp>
+        <p:sp>
+          <p:nvSpPr>
+            <p:cNvPr id="12" name="Freeform 46">
+              <a:extLst>
+                <a:ext uri="{FF2B5EF4-FFF2-40B4-BE49-F238E27FC236}">
+                  <a16:creationId xmlns:a16="http://schemas.microsoft.com/office/drawing/2014/main" id="{FE21F82F-1EE5-8240-97F8-387DF0253FCE}"/>
+                </a:ext>
+                <a:ext uri="{C183D7F6-B498-43B3-948B-1728B52AA6E4}">
+                  <adec:decorative xmlns:adec="http://schemas.microsoft.com/office/drawing/2017/decorative" val="1"/>
+                </a:ext>
+              </a:extLst>
+            </p:cNvPr>
+            <p:cNvSpPr/>
+            <p:nvPr>
+              <p:extLst>
+                <p:ext uri="{386F3935-93C4-4BCD-93E2-E3B085C9AB24}">
+                  <p16:designElem xmlns:p16="http://schemas.microsoft.com/office/powerpoint/2015/main" val="1"/>
+                </p:ext>
+              </p:extLst>
+            </p:nvPr>
+          </p:nvSpPr>
+          <p:spPr>
+            <a:xfrm>
+              <a:off x="6201389" y="1"/>
+              <a:ext cx="1130725" cy="565575"/>
+            </a:xfrm>
+            <a:custGeom>
+              <a:avLst/>
+              <a:gdLst>
+                <a:gd name="connsiteX0" fmla="*/ 21 w 1130725"/>
+                <a:gd name="connsiteY0" fmla="*/ 0 h 565575"/>
+                <a:gd name="connsiteX1" fmla="*/ 1130704 w 1130725"/>
+                <a:gd name="connsiteY1" fmla="*/ 0 h 565575"/>
+                <a:gd name="connsiteX2" fmla="*/ 1130725 w 1130725"/>
+                <a:gd name="connsiteY2" fmla="*/ 213 h 565575"/>
+                <a:gd name="connsiteX3" fmla="*/ 565362 w 1130725"/>
+                <a:gd name="connsiteY3" fmla="*/ 565575 h 565575"/>
+                <a:gd name="connsiteX4" fmla="*/ 0 w 1130725"/>
+                <a:gd name="connsiteY4" fmla="*/ 213 h 565575"/>
+              </a:gdLst>
+              <a:ahLst/>
+              <a:cxnLst>
+                <a:cxn ang="0">
+                  <a:pos x="connsiteX0" y="connsiteY0"/>
+                </a:cxn>
+                <a:cxn ang="0">
+                  <a:pos x="connsiteX1" y="connsiteY1"/>
+                </a:cxn>
+                <a:cxn ang="0">
+                  <a:pos x="connsiteX2" y="connsiteY2"/>
+                </a:cxn>
+                <a:cxn ang="0">
+                  <a:pos x="connsiteX3" y="connsiteY3"/>
+                </a:cxn>
+                <a:cxn ang="0">
+                  <a:pos x="connsiteX4" y="connsiteY4"/>
+                </a:cxn>
+              </a:cxnLst>
+              <a:rect l="l" t="t" r="r" b="b"/>
+              <a:pathLst>
+                <a:path w="1130725" h="565575">
+                  <a:moveTo>
+                    <a:pt x="21" y="0"/>
+                  </a:moveTo>
+                  <a:lnTo>
+                    <a:pt x="1130704" y="0"/>
+                  </a:lnTo>
+                  <a:lnTo>
+                    <a:pt x="1130725" y="213"/>
+                  </a:lnTo>
+                  <a:cubicBezTo>
+                    <a:pt x="1130725" y="312454"/>
+                    <a:pt x="877604" y="565575"/>
+                    <a:pt x="565362" y="565575"/>
+                  </a:cubicBezTo>
+                  <a:cubicBezTo>
+                    <a:pt x="253121" y="565575"/>
+                    <a:pt x="0" y="312454"/>
+                    <a:pt x="0" y="213"/>
+                  </a:cubicBezTo>
+                  <a:close/>
+                </a:path>
+              </a:pathLst>
+            </a:custGeom>
+            <a:solidFill>
+              <a:schemeClr val="bg2"/>
+            </a:solidFill>
+            <a:ln>
+              <a:noFill/>
+            </a:ln>
+          </p:spPr>
+          <p:style>
+            <a:lnRef idx="2">
+              <a:schemeClr val="accent1">
+                <a:shade val="50000"/>
+              </a:schemeClr>
+            </a:lnRef>
+            <a:fillRef idx="1">
+              <a:schemeClr val="accent1"/>
+            </a:fillRef>
+            <a:effectRef idx="0">
+              <a:schemeClr val="accent1"/>
+            </a:effectRef>
+            <a:fontRef idx="minor">
+              <a:schemeClr val="lt1"/>
+            </a:fontRef>
+          </p:style>
+          <p:txBody>
+            <a:bodyPr wrap="square" rtlCol="0" anchor="ctr">
+              <a:noAutofit/>
+            </a:bodyPr>
+            <a:lstStyle/>
+            <a:p>
+              <a:pPr algn="ctr"/>
+              <a:endParaRPr lang="en-US"/>
+            </a:p>
+          </p:txBody>
+        </p:sp>
+        <p:sp>
+          <p:nvSpPr>
+            <p:cNvPr id="13" name="Freeform 48">
+              <a:extLst>
+                <a:ext uri="{FF2B5EF4-FFF2-40B4-BE49-F238E27FC236}">
+                  <a16:creationId xmlns:a16="http://schemas.microsoft.com/office/drawing/2014/main" id="{AE1903E3-6B5F-6B4C-9A1F-62628A050AEB}"/>
+                </a:ext>
+                <a:ext uri="{C183D7F6-B498-43B3-948B-1728B52AA6E4}">
+                  <adec:decorative xmlns:adec="http://schemas.microsoft.com/office/drawing/2017/decorative" val="1"/>
+                </a:ext>
+              </a:extLst>
+            </p:cNvPr>
+            <p:cNvSpPr/>
+            <p:nvPr>
+              <p:extLst>
+                <p:ext uri="{386F3935-93C4-4BCD-93E2-E3B085C9AB24}">
+                  <p16:designElem xmlns:p16="http://schemas.microsoft.com/office/powerpoint/2015/main" val="1"/>
+                </p:ext>
+              </p:extLst>
+            </p:nvPr>
+          </p:nvSpPr>
+          <p:spPr>
+            <a:xfrm>
+              <a:off x="7564255" y="6292426"/>
+              <a:ext cx="1130723" cy="565575"/>
+            </a:xfrm>
+            <a:custGeom>
+              <a:avLst/>
+              <a:gdLst>
+                <a:gd name="connsiteX0" fmla="*/ 565362 w 1130723"/>
+                <a:gd name="connsiteY0" fmla="*/ 0 h 565575"/>
+                <a:gd name="connsiteX1" fmla="*/ 1130723 w 1130723"/>
+                <a:gd name="connsiteY1" fmla="*/ 565362 h 565575"/>
+                <a:gd name="connsiteX2" fmla="*/ 1130702 w 1130723"/>
+                <a:gd name="connsiteY2" fmla="*/ 565575 h 565575"/>
+                <a:gd name="connsiteX3" fmla="*/ 21 w 1130723"/>
+                <a:gd name="connsiteY3" fmla="*/ 565575 h 565575"/>
+                <a:gd name="connsiteX4" fmla="*/ 0 w 1130723"/>
+                <a:gd name="connsiteY4" fmla="*/ 565362 h 565575"/>
+                <a:gd name="connsiteX5" fmla="*/ 565362 w 1130723"/>
+                <a:gd name="connsiteY5" fmla="*/ 0 h 565575"/>
+              </a:gdLst>
+              <a:ahLst/>
+              <a:cxnLst>
+                <a:cxn ang="0">
+                  <a:pos x="connsiteX0" y="connsiteY0"/>
+                </a:cxn>
+                <a:cxn ang="0">
+                  <a:pos x="connsiteX1" y="connsiteY1"/>
+                </a:cxn>
+                <a:cxn ang="0">
+                  <a:pos x="connsiteX2" y="connsiteY2"/>
+                </a:cxn>
+                <a:cxn ang="0">
+                  <a:pos x="connsiteX3" y="connsiteY3"/>
+                </a:cxn>
+                <a:cxn ang="0">
+                  <a:pos x="connsiteX4" y="connsiteY4"/>
+                </a:cxn>
+                <a:cxn ang="0">
+                  <a:pos x="connsiteX5" y="connsiteY5"/>
+                </a:cxn>
+              </a:cxnLst>
+              <a:rect l="l" t="t" r="r" b="b"/>
+              <a:pathLst>
+                <a:path w="1130723" h="565575">
+                  <a:moveTo>
+                    <a:pt x="565362" y="0"/>
+                  </a:moveTo>
+                  <a:cubicBezTo>
+                    <a:pt x="877602" y="0"/>
+                    <a:pt x="1130723" y="253121"/>
+                    <a:pt x="1130723" y="565362"/>
+                  </a:cubicBezTo>
+                  <a:lnTo>
+                    <a:pt x="1130702" y="565575"/>
+                  </a:lnTo>
+                  <a:lnTo>
+                    <a:pt x="21" y="565575"/>
+                  </a:lnTo>
+                  <a:lnTo>
+                    <a:pt x="0" y="565362"/>
+                  </a:lnTo>
+                  <a:cubicBezTo>
+                    <a:pt x="0" y="253121"/>
+                    <a:pt x="253120" y="0"/>
+                    <a:pt x="565362" y="0"/>
+                  </a:cubicBezTo>
+                  <a:close/>
+                </a:path>
+              </a:pathLst>
+            </a:custGeom>
+            <a:solidFill>
+              <a:schemeClr val="bg2"/>
+            </a:solidFill>
+            <a:ln>
+              <a:noFill/>
+            </a:ln>
+          </p:spPr>
+          <p:style>
+            <a:lnRef idx="2">
+              <a:schemeClr val="accent1">
+                <a:shade val="50000"/>
+              </a:schemeClr>
+            </a:lnRef>
+            <a:fillRef idx="1">
+              <a:schemeClr val="accent1"/>
+            </a:fillRef>
+            <a:effectRef idx="0">
+              <a:schemeClr val="accent1"/>
+            </a:effectRef>
+            <a:fontRef idx="minor">
+              <a:schemeClr val="lt1"/>
+            </a:fontRef>
+          </p:style>
+          <p:txBody>
+            <a:bodyPr wrap="square" rtlCol="0" anchor="ctr">
+              <a:noAutofit/>
+            </a:bodyPr>
+            <a:lstStyle/>
+            <a:p>
+              <a:pPr algn="ctr"/>
+              <a:endParaRPr lang="en-US"/>
+            </a:p>
+          </p:txBody>
+        </p:sp>
+        <p:sp>
+          <p:nvSpPr>
+            <p:cNvPr id="14" name="Oval 13">
+              <a:extLst>
+                <a:ext uri="{FF2B5EF4-FFF2-40B4-BE49-F238E27FC236}">
+                  <a16:creationId xmlns:a16="http://schemas.microsoft.com/office/drawing/2014/main" id="{F7C55863-3B37-0743-B001-1A970033FBA8}"/>
+                </a:ext>
+                <a:ext uri="{C183D7F6-B498-43B3-948B-1728B52AA6E4}">
+                  <adec:decorative xmlns:adec="http://schemas.microsoft.com/office/drawing/2017/decorative" val="1"/>
+                </a:ext>
+              </a:extLst>
+            </p:cNvPr>
+            <p:cNvSpPr/>
+            <p:nvPr>
+              <p:extLst>
+                <p:ext uri="{386F3935-93C4-4BCD-93E2-E3B085C9AB24}">
+                  <p16:designElem xmlns:p16="http://schemas.microsoft.com/office/powerpoint/2015/main" val="1"/>
+                </p:ext>
+              </p:extLst>
+            </p:nvPr>
+          </p:nvSpPr>
+          <p:spPr>
+            <a:xfrm>
+              <a:off x="7564253" y="3549396"/>
+              <a:ext cx="1130725" cy="1130724"/>
+            </a:xfrm>
+            <a:prstGeom prst="ellipse">
+              <a:avLst/>
+            </a:prstGeom>
+            <a:solidFill>
+              <a:schemeClr val="bg2"/>
+            </a:solidFill>
+            <a:ln>
+              <a:noFill/>
+            </a:ln>
+          </p:spPr>
+          <p:style>
+            <a:lnRef idx="2">
+              <a:schemeClr val="accent1">
+                <a:shade val="50000"/>
+              </a:schemeClr>
+            </a:lnRef>
+            <a:fillRef idx="1">
+              <a:schemeClr val="accent1"/>
+            </a:fillRef>
+            <a:effectRef idx="0">
+              <a:schemeClr val="accent1"/>
+            </a:effectRef>
+            <a:fontRef idx="minor">
+              <a:schemeClr val="lt1"/>
+            </a:fontRef>
+          </p:style>
+          <p:txBody>
+            <a:bodyPr rtlCol="0" anchor="ctr"/>
+            <a:lstStyle/>
+            <a:p>
+              <a:pPr algn="ctr"/>
+              <a:endParaRPr lang="en-US"/>
+            </a:p>
+          </p:txBody>
+        </p:sp>
+        <p:sp>
+          <p:nvSpPr>
+            <p:cNvPr id="15" name="Oval 14">
+              <a:extLst>
+                <a:ext uri="{FF2B5EF4-FFF2-40B4-BE49-F238E27FC236}">
+                  <a16:creationId xmlns:a16="http://schemas.microsoft.com/office/drawing/2014/main" id="{932B4C24-3A58-924C-B79A-D961EF7C2C48}"/>
+                </a:ext>
+                <a:ext uri="{C183D7F6-B498-43B3-948B-1728B52AA6E4}">
+                  <adec:decorative xmlns:adec="http://schemas.microsoft.com/office/drawing/2017/decorative" val="1"/>
+                </a:ext>
+              </a:extLst>
+            </p:cNvPr>
+            <p:cNvSpPr/>
+            <p:nvPr>
+              <p:extLst>
+                <p:ext uri="{386F3935-93C4-4BCD-93E2-E3B085C9AB24}">
+                  <p16:designElem xmlns:p16="http://schemas.microsoft.com/office/powerpoint/2015/main" val="1"/>
+                </p:ext>
+              </p:extLst>
+            </p:nvPr>
+          </p:nvSpPr>
+          <p:spPr>
+            <a:xfrm>
+              <a:off x="7564253" y="2177881"/>
+              <a:ext cx="1130725" cy="1130724"/>
+            </a:xfrm>
+            <a:prstGeom prst="ellipse">
+              <a:avLst/>
+            </a:prstGeom>
+            <a:solidFill>
+              <a:schemeClr val="bg2"/>
+            </a:solidFill>
+            <a:ln>
+              <a:noFill/>
+            </a:ln>
+          </p:spPr>
+          <p:style>
+            <a:lnRef idx="2">
+              <a:schemeClr val="accent1">
+                <a:shade val="50000"/>
+              </a:schemeClr>
+            </a:lnRef>
+            <a:fillRef idx="1">
+              <a:schemeClr val="accent1"/>
+            </a:fillRef>
+            <a:effectRef idx="0">
+              <a:schemeClr val="accent1"/>
+            </a:effectRef>
+            <a:fontRef idx="minor">
+              <a:schemeClr val="lt1"/>
+            </a:fontRef>
+          </p:style>
+          <p:txBody>
+            <a:bodyPr rtlCol="0" anchor="ctr"/>
+            <a:lstStyle/>
+            <a:p>
+              <a:pPr algn="ctr"/>
+              <a:endParaRPr lang="en-US"/>
+            </a:p>
+          </p:txBody>
+        </p:sp>
+        <p:sp>
+          <p:nvSpPr>
+            <p:cNvPr id="16" name="Oval 15">
+              <a:extLst>
+                <a:ext uri="{FF2B5EF4-FFF2-40B4-BE49-F238E27FC236}">
+                  <a16:creationId xmlns:a16="http://schemas.microsoft.com/office/drawing/2014/main" id="{21EF52E0-D2CF-544F-93A6-4D7B45A0483A}"/>
+                </a:ext>
+                <a:ext uri="{C183D7F6-B498-43B3-948B-1728B52AA6E4}">
+                  <adec:decorative xmlns:adec="http://schemas.microsoft.com/office/drawing/2017/decorative" val="1"/>
+                </a:ext>
+              </a:extLst>
+            </p:cNvPr>
+            <p:cNvSpPr/>
+            <p:nvPr>
+              <p:extLst>
+                <p:ext uri="{386F3935-93C4-4BCD-93E2-E3B085C9AB24}">
+                  <p16:designElem xmlns:p16="http://schemas.microsoft.com/office/powerpoint/2015/main" val="1"/>
+                </p:ext>
+              </p:extLst>
+            </p:nvPr>
+          </p:nvSpPr>
+          <p:spPr>
+            <a:xfrm>
+              <a:off x="7564253" y="806366"/>
+              <a:ext cx="1130725" cy="1130724"/>
+            </a:xfrm>
+            <a:prstGeom prst="ellipse">
+              <a:avLst/>
+            </a:prstGeom>
+            <a:solidFill>
+              <a:schemeClr val="accent1"/>
+            </a:solidFill>
+            <a:ln>
+              <a:noFill/>
+            </a:ln>
+          </p:spPr>
+          <p:style>
+            <a:lnRef idx="2">
+              <a:schemeClr val="accent1">
+                <a:shade val="50000"/>
+              </a:schemeClr>
+            </a:lnRef>
+            <a:fillRef idx="1">
+              <a:schemeClr val="accent1"/>
+            </a:fillRef>
+            <a:effectRef idx="0">
+              <a:schemeClr val="accent1"/>
+            </a:effectRef>
+            <a:fontRef idx="minor">
+              <a:schemeClr val="lt1"/>
+            </a:fontRef>
+          </p:style>
+          <p:txBody>
+            <a:bodyPr rtlCol="0" anchor="ctr"/>
+            <a:lstStyle/>
+            <a:p>
+              <a:pPr algn="ctr"/>
+              <a:endParaRPr lang="en-US"/>
+            </a:p>
+          </p:txBody>
+        </p:sp>
+        <p:sp>
+          <p:nvSpPr>
+            <p:cNvPr id="17" name="Freeform 63">
+              <a:extLst>
+                <a:ext uri="{FF2B5EF4-FFF2-40B4-BE49-F238E27FC236}">
+                  <a16:creationId xmlns:a16="http://schemas.microsoft.com/office/drawing/2014/main" id="{6966CFE5-1C8C-2E4F-9B2D-A8438F5A5322}"/>
+                </a:ext>
+                <a:ext uri="{C183D7F6-B498-43B3-948B-1728B52AA6E4}">
+                  <adec:decorative xmlns:adec="http://schemas.microsoft.com/office/drawing/2017/decorative" val="1"/>
+                </a:ext>
+              </a:extLst>
+            </p:cNvPr>
+            <p:cNvSpPr/>
+            <p:nvPr>
+              <p:extLst>
+                <p:ext uri="{386F3935-93C4-4BCD-93E2-E3B085C9AB24}">
+                  <p16:designElem xmlns:p16="http://schemas.microsoft.com/office/powerpoint/2015/main" val="1"/>
+                </p:ext>
+              </p:extLst>
+            </p:nvPr>
+          </p:nvSpPr>
+          <p:spPr>
+            <a:xfrm>
+              <a:off x="7564254" y="1"/>
+              <a:ext cx="1130725" cy="565575"/>
+            </a:xfrm>
+            <a:custGeom>
+              <a:avLst/>
+              <a:gdLst>
+                <a:gd name="connsiteX0" fmla="*/ 21 w 1130725"/>
+                <a:gd name="connsiteY0" fmla="*/ 0 h 565575"/>
+                <a:gd name="connsiteX1" fmla="*/ 1130704 w 1130725"/>
+                <a:gd name="connsiteY1" fmla="*/ 0 h 565575"/>
+                <a:gd name="connsiteX2" fmla="*/ 1130725 w 1130725"/>
+                <a:gd name="connsiteY2" fmla="*/ 213 h 565575"/>
+                <a:gd name="connsiteX3" fmla="*/ 565363 w 1130725"/>
+                <a:gd name="connsiteY3" fmla="*/ 565575 h 565575"/>
+                <a:gd name="connsiteX4" fmla="*/ 0 w 1130725"/>
+                <a:gd name="connsiteY4" fmla="*/ 213 h 565575"/>
+              </a:gdLst>
+              <a:ahLst/>
+              <a:cxnLst>
+                <a:cxn ang="0">
+                  <a:pos x="connsiteX0" y="connsiteY0"/>
+                </a:cxn>
+                <a:cxn ang="0">
+                  <a:pos x="connsiteX1" y="connsiteY1"/>
+                </a:cxn>
+                <a:cxn ang="0">
+                  <a:pos x="connsiteX2" y="connsiteY2"/>
+                </a:cxn>
+                <a:cxn ang="0">
+                  <a:pos x="connsiteX3" y="connsiteY3"/>
+                </a:cxn>
+                <a:cxn ang="0">
+                  <a:pos x="connsiteX4" y="connsiteY4"/>
+                </a:cxn>
+              </a:cxnLst>
+              <a:rect l="l" t="t" r="r" b="b"/>
+              <a:pathLst>
+                <a:path w="1130725" h="565575">
+                  <a:moveTo>
+                    <a:pt x="21" y="0"/>
+                  </a:moveTo>
+                  <a:lnTo>
+                    <a:pt x="1130704" y="0"/>
+                  </a:lnTo>
+                  <a:lnTo>
+                    <a:pt x="1130725" y="213"/>
+                  </a:lnTo>
+                  <a:cubicBezTo>
+                    <a:pt x="1130725" y="312454"/>
+                    <a:pt x="877603" y="565575"/>
+                    <a:pt x="565363" y="565575"/>
+                  </a:cubicBezTo>
+                  <a:cubicBezTo>
+                    <a:pt x="253121" y="565575"/>
+                    <a:pt x="0" y="312454"/>
+                    <a:pt x="0" y="213"/>
+                  </a:cubicBezTo>
+                  <a:close/>
+                </a:path>
+              </a:pathLst>
+            </a:custGeom>
+            <a:solidFill>
+              <a:schemeClr val="bg2"/>
+            </a:solidFill>
+            <a:ln>
+              <a:noFill/>
+            </a:ln>
+          </p:spPr>
+          <p:style>
+            <a:lnRef idx="2">
+              <a:schemeClr val="accent1">
+                <a:shade val="50000"/>
+              </a:schemeClr>
+            </a:lnRef>
+            <a:fillRef idx="1">
+              <a:schemeClr val="accent1"/>
+            </a:fillRef>
+            <a:effectRef idx="0">
+              <a:schemeClr val="accent1"/>
+            </a:effectRef>
+            <a:fontRef idx="minor">
+              <a:schemeClr val="lt1"/>
+            </a:fontRef>
+          </p:style>
+          <p:txBody>
+            <a:bodyPr wrap="square" rtlCol="0" anchor="ctr">
+              <a:noAutofit/>
+            </a:bodyPr>
+            <a:lstStyle/>
+            <a:p>
+              <a:pPr algn="ctr"/>
+              <a:endParaRPr lang="en-US"/>
+            </a:p>
+          </p:txBody>
+        </p:sp>
+        <p:sp>
+          <p:nvSpPr>
+            <p:cNvPr id="18" name="Freeform 64">
+              <a:extLst>
+                <a:ext uri="{FF2B5EF4-FFF2-40B4-BE49-F238E27FC236}">
+                  <a16:creationId xmlns:a16="http://schemas.microsoft.com/office/drawing/2014/main" id="{9FD29EF3-A5B2-554A-A307-6BE1BCE8AF03}"/>
+                </a:ext>
+                <a:ext uri="{C183D7F6-B498-43B3-948B-1728B52AA6E4}">
+                  <adec:decorative xmlns:adec="http://schemas.microsoft.com/office/drawing/2017/decorative" val="1"/>
+                </a:ext>
+              </a:extLst>
+            </p:cNvPr>
+            <p:cNvSpPr/>
+            <p:nvPr>
+              <p:extLst>
+                <p:ext uri="{386F3935-93C4-4BCD-93E2-E3B085C9AB24}">
+                  <p16:designElem xmlns:p16="http://schemas.microsoft.com/office/powerpoint/2015/main" val="1"/>
+                </p:ext>
+              </p:extLst>
+            </p:nvPr>
+          </p:nvSpPr>
+          <p:spPr>
+            <a:xfrm>
+              <a:off x="8927118" y="6292426"/>
+              <a:ext cx="1130724" cy="565575"/>
+            </a:xfrm>
+            <a:custGeom>
+              <a:avLst/>
+              <a:gdLst>
+                <a:gd name="connsiteX0" fmla="*/ 565362 w 1130724"/>
+                <a:gd name="connsiteY0" fmla="*/ 0 h 565575"/>
+                <a:gd name="connsiteX1" fmla="*/ 1130724 w 1130724"/>
+                <a:gd name="connsiteY1" fmla="*/ 565362 h 565575"/>
+                <a:gd name="connsiteX2" fmla="*/ 1130703 w 1130724"/>
+                <a:gd name="connsiteY2" fmla="*/ 565575 h 565575"/>
+                <a:gd name="connsiteX3" fmla="*/ 22 w 1130724"/>
+                <a:gd name="connsiteY3" fmla="*/ 565575 h 565575"/>
+                <a:gd name="connsiteX4" fmla="*/ 0 w 1130724"/>
+                <a:gd name="connsiteY4" fmla="*/ 565362 h 565575"/>
+                <a:gd name="connsiteX5" fmla="*/ 565362 w 1130724"/>
+                <a:gd name="connsiteY5" fmla="*/ 0 h 565575"/>
+              </a:gdLst>
+              <a:ahLst/>
+              <a:cxnLst>
+                <a:cxn ang="0">
+                  <a:pos x="connsiteX0" y="connsiteY0"/>
+                </a:cxn>
+                <a:cxn ang="0">
+                  <a:pos x="connsiteX1" y="connsiteY1"/>
+                </a:cxn>
+                <a:cxn ang="0">
+                  <a:pos x="connsiteX2" y="connsiteY2"/>
+                </a:cxn>
+                <a:cxn ang="0">
+                  <a:pos x="connsiteX3" y="connsiteY3"/>
+                </a:cxn>
+                <a:cxn ang="0">
+                  <a:pos x="connsiteX4" y="connsiteY4"/>
+                </a:cxn>
+                <a:cxn ang="0">
+                  <a:pos x="connsiteX5" y="connsiteY5"/>
+                </a:cxn>
+              </a:cxnLst>
+              <a:rect l="l" t="t" r="r" b="b"/>
+              <a:pathLst>
+                <a:path w="1130724" h="565575">
+                  <a:moveTo>
+                    <a:pt x="565362" y="0"/>
+                  </a:moveTo>
+                  <a:cubicBezTo>
+                    <a:pt x="877603" y="0"/>
+                    <a:pt x="1130724" y="253121"/>
+                    <a:pt x="1130724" y="565362"/>
+                  </a:cubicBezTo>
+                  <a:lnTo>
+                    <a:pt x="1130703" y="565575"/>
+                  </a:lnTo>
+                  <a:lnTo>
+                    <a:pt x="22" y="565575"/>
+                  </a:lnTo>
+                  <a:lnTo>
+                    <a:pt x="0" y="565362"/>
+                  </a:lnTo>
+                  <a:cubicBezTo>
+                    <a:pt x="0" y="253121"/>
+                    <a:pt x="253121" y="0"/>
+                    <a:pt x="565362" y="0"/>
+                  </a:cubicBezTo>
+                  <a:close/>
+                </a:path>
+              </a:pathLst>
+            </a:custGeom>
+            <a:solidFill>
+              <a:schemeClr val="accent1"/>
+            </a:solidFill>
+            <a:ln>
+              <a:noFill/>
+            </a:ln>
+          </p:spPr>
+          <p:style>
+            <a:lnRef idx="2">
+              <a:schemeClr val="accent1">
+                <a:shade val="50000"/>
+              </a:schemeClr>
+            </a:lnRef>
+            <a:fillRef idx="1">
+              <a:schemeClr val="accent1"/>
+            </a:fillRef>
+            <a:effectRef idx="0">
+              <a:schemeClr val="accent1"/>
+            </a:effectRef>
+            <a:fontRef idx="minor">
+              <a:schemeClr val="lt1"/>
+            </a:fontRef>
+          </p:style>
+          <p:txBody>
+            <a:bodyPr wrap="square" rtlCol="0" anchor="ctr">
+              <a:noAutofit/>
+            </a:bodyPr>
+            <a:lstStyle/>
+            <a:p>
+              <a:pPr algn="ctr"/>
+              <a:endParaRPr lang="en-US"/>
+            </a:p>
+          </p:txBody>
+        </p:sp>
+        <p:sp>
+          <p:nvSpPr>
+            <p:cNvPr id="19" name="Oval 18">
+              <a:extLst>
+                <a:ext uri="{FF2B5EF4-FFF2-40B4-BE49-F238E27FC236}">
+                  <a16:creationId xmlns:a16="http://schemas.microsoft.com/office/drawing/2014/main" id="{AC1ECAD8-0CF2-934D-AA1E-C108208CDE6F}"/>
+                </a:ext>
+                <a:ext uri="{C183D7F6-B498-43B3-948B-1728B52AA6E4}">
+                  <adec:decorative xmlns:adec="http://schemas.microsoft.com/office/drawing/2017/decorative" val="1"/>
+                </a:ext>
+              </a:extLst>
+            </p:cNvPr>
+            <p:cNvSpPr/>
+            <p:nvPr>
+              <p:extLst>
+                <p:ext uri="{386F3935-93C4-4BCD-93E2-E3B085C9AB24}">
+                  <p16:designElem xmlns:p16="http://schemas.microsoft.com/office/powerpoint/2015/main" val="1"/>
+                </p:ext>
+              </p:extLst>
+            </p:nvPr>
+          </p:nvSpPr>
+          <p:spPr>
+            <a:xfrm>
+              <a:off x="8927118" y="4920911"/>
+              <a:ext cx="1130725" cy="1130724"/>
+            </a:xfrm>
+            <a:prstGeom prst="ellipse">
+              <a:avLst/>
+            </a:prstGeom>
+            <a:solidFill>
+              <a:schemeClr val="bg2"/>
+            </a:solidFill>
+            <a:ln>
+              <a:noFill/>
+            </a:ln>
+          </p:spPr>
+          <p:style>
+            <a:lnRef idx="2">
+              <a:schemeClr val="accent1">
+                <a:shade val="50000"/>
+              </a:schemeClr>
+            </a:lnRef>
+            <a:fillRef idx="1">
+              <a:schemeClr val="accent1"/>
+            </a:fillRef>
+            <a:effectRef idx="0">
+              <a:schemeClr val="accent1"/>
+            </a:effectRef>
+            <a:fontRef idx="minor">
+              <a:schemeClr val="lt1"/>
+            </a:fontRef>
+          </p:style>
+          <p:txBody>
+            <a:bodyPr rtlCol="0" anchor="ctr"/>
+            <a:lstStyle/>
+            <a:p>
+              <a:pPr algn="ctr"/>
+              <a:endParaRPr lang="en-US"/>
+            </a:p>
+          </p:txBody>
+        </p:sp>
+        <p:sp>
+          <p:nvSpPr>
+            <p:cNvPr id="20" name="Oval 19">
+              <a:extLst>
+                <a:ext uri="{FF2B5EF4-FFF2-40B4-BE49-F238E27FC236}">
+                  <a16:creationId xmlns:a16="http://schemas.microsoft.com/office/drawing/2014/main" id="{DB14DED1-3A58-8C4D-902E-2A9F34043F61}"/>
+                </a:ext>
+                <a:ext uri="{C183D7F6-B498-43B3-948B-1728B52AA6E4}">
+                  <adec:decorative xmlns:adec="http://schemas.microsoft.com/office/drawing/2017/decorative" val="1"/>
+                </a:ext>
+              </a:extLst>
+            </p:cNvPr>
+            <p:cNvSpPr/>
+            <p:nvPr>
+              <p:extLst>
+                <p:ext uri="{386F3935-93C4-4BCD-93E2-E3B085C9AB24}">
+                  <p16:designElem xmlns:p16="http://schemas.microsoft.com/office/powerpoint/2015/main" val="1"/>
+                </p:ext>
+              </p:extLst>
+            </p:nvPr>
+          </p:nvSpPr>
+          <p:spPr>
+            <a:xfrm>
+              <a:off x="8927118" y="3549396"/>
+              <a:ext cx="1130725" cy="1130724"/>
+            </a:xfrm>
+            <a:prstGeom prst="ellipse">
+              <a:avLst/>
+            </a:prstGeom>
+            <a:solidFill>
+              <a:schemeClr val="accent1"/>
+            </a:solidFill>
+            <a:ln>
+              <a:noFill/>
+            </a:ln>
+          </p:spPr>
+          <p:style>
+            <a:lnRef idx="2">
+              <a:schemeClr val="accent1">
+                <a:shade val="50000"/>
+              </a:schemeClr>
+            </a:lnRef>
+            <a:fillRef idx="1">
+              <a:schemeClr val="accent1"/>
+            </a:fillRef>
+            <a:effectRef idx="0">
+              <a:schemeClr val="accent1"/>
+            </a:effectRef>
+            <a:fontRef idx="minor">
+              <a:schemeClr val="lt1"/>
+            </a:fontRef>
+          </p:style>
+          <p:txBody>
+            <a:bodyPr rtlCol="0" anchor="ctr"/>
+            <a:lstStyle/>
+            <a:p>
+              <a:pPr algn="ctr"/>
+              <a:endParaRPr lang="en-US"/>
+            </a:p>
+          </p:txBody>
+        </p:sp>
+        <p:sp>
+          <p:nvSpPr>
+            <p:cNvPr id="21" name="Oval 20">
+              <a:extLst>
+                <a:ext uri="{FF2B5EF4-FFF2-40B4-BE49-F238E27FC236}">
+                  <a16:creationId xmlns:a16="http://schemas.microsoft.com/office/drawing/2014/main" id="{65D65157-5719-0341-A807-A8956595FB4C}"/>
+                </a:ext>
+                <a:ext uri="{C183D7F6-B498-43B3-948B-1728B52AA6E4}">
+                  <adec:decorative xmlns:adec="http://schemas.microsoft.com/office/drawing/2017/decorative" val="1"/>
+                </a:ext>
+              </a:extLst>
+            </p:cNvPr>
+            <p:cNvSpPr/>
+            <p:nvPr>
+              <p:extLst>
+                <p:ext uri="{386F3935-93C4-4BCD-93E2-E3B085C9AB24}">
+                  <p16:designElem xmlns:p16="http://schemas.microsoft.com/office/powerpoint/2015/main" val="1"/>
+                </p:ext>
+              </p:extLst>
+            </p:nvPr>
+          </p:nvSpPr>
+          <p:spPr>
+            <a:xfrm>
+              <a:off x="8927118" y="2177881"/>
+              <a:ext cx="1130725" cy="1130724"/>
+            </a:xfrm>
+            <a:prstGeom prst="ellipse">
+              <a:avLst/>
+            </a:prstGeom>
+            <a:solidFill>
+              <a:schemeClr val="accent1"/>
+            </a:solidFill>
+            <a:ln>
+              <a:noFill/>
+            </a:ln>
+          </p:spPr>
+          <p:style>
+            <a:lnRef idx="2">
+              <a:schemeClr val="accent1">
+                <a:shade val="50000"/>
+              </a:schemeClr>
+            </a:lnRef>
+            <a:fillRef idx="1">
+              <a:schemeClr val="accent1"/>
+            </a:fillRef>
+            <a:effectRef idx="0">
+              <a:schemeClr val="accent1"/>
+            </a:effectRef>
+            <a:fontRef idx="minor">
+              <a:schemeClr val="lt1"/>
+            </a:fontRef>
+          </p:style>
+          <p:txBody>
+            <a:bodyPr rtlCol="0" anchor="ctr"/>
+            <a:lstStyle/>
+            <a:p>
+              <a:pPr algn="ctr"/>
+              <a:endParaRPr lang="en-US"/>
+            </a:p>
+          </p:txBody>
+        </p:sp>
+        <p:sp>
+          <p:nvSpPr>
+            <p:cNvPr id="22" name="Oval 21">
+              <a:extLst>
+                <a:ext uri="{FF2B5EF4-FFF2-40B4-BE49-F238E27FC236}">
+                  <a16:creationId xmlns:a16="http://schemas.microsoft.com/office/drawing/2014/main" id="{A7F23F74-B777-2A4C-8EF9-E798880D5942}"/>
+                </a:ext>
+                <a:ext uri="{C183D7F6-B498-43B3-948B-1728B52AA6E4}">
+                  <adec:decorative xmlns:adec="http://schemas.microsoft.com/office/drawing/2017/decorative" val="1"/>
+                </a:ext>
+              </a:extLst>
+            </p:cNvPr>
+            <p:cNvSpPr/>
+            <p:nvPr>
+              <p:extLst>
+                <p:ext uri="{386F3935-93C4-4BCD-93E2-E3B085C9AB24}">
+                  <p16:designElem xmlns:p16="http://schemas.microsoft.com/office/powerpoint/2015/main" val="1"/>
+                </p:ext>
+              </p:extLst>
+            </p:nvPr>
+          </p:nvSpPr>
+          <p:spPr>
+            <a:xfrm>
+              <a:off x="8927118" y="806366"/>
+              <a:ext cx="1130725" cy="1130724"/>
+            </a:xfrm>
+            <a:prstGeom prst="ellipse">
+              <a:avLst/>
+            </a:prstGeom>
+            <a:solidFill>
+              <a:schemeClr val="bg2"/>
+            </a:solidFill>
+            <a:ln>
+              <a:noFill/>
+            </a:ln>
+          </p:spPr>
+          <p:style>
+            <a:lnRef idx="2">
+              <a:schemeClr val="accent1">
+                <a:shade val="50000"/>
+              </a:schemeClr>
+            </a:lnRef>
+            <a:fillRef idx="1">
+              <a:schemeClr val="accent1"/>
+            </a:fillRef>
+            <a:effectRef idx="0">
+              <a:schemeClr val="accent1"/>
+            </a:effectRef>
+            <a:fontRef idx="minor">
+              <a:schemeClr val="lt1"/>
+            </a:fontRef>
+          </p:style>
+          <p:txBody>
+            <a:bodyPr rtlCol="0" anchor="ctr"/>
+            <a:lstStyle/>
+            <a:p>
+              <a:pPr algn="ctr"/>
+              <a:endParaRPr lang="en-US"/>
+            </a:p>
+          </p:txBody>
+        </p:sp>
+        <p:sp>
+          <p:nvSpPr>
+            <p:cNvPr id="23" name="Freeform 70">
+              <a:extLst>
+                <a:ext uri="{FF2B5EF4-FFF2-40B4-BE49-F238E27FC236}">
+                  <a16:creationId xmlns:a16="http://schemas.microsoft.com/office/drawing/2014/main" id="{E3B9A050-0AE1-1D4B-A2AC-6EEF64B106D9}"/>
+                </a:ext>
+                <a:ext uri="{C183D7F6-B498-43B3-948B-1728B52AA6E4}">
+                  <adec:decorative xmlns:adec="http://schemas.microsoft.com/office/drawing/2017/decorative" val="1"/>
+                </a:ext>
+              </a:extLst>
+            </p:cNvPr>
+            <p:cNvSpPr/>
+            <p:nvPr>
+              <p:extLst>
+                <p:ext uri="{386F3935-93C4-4BCD-93E2-E3B085C9AB24}">
+                  <p16:designElem xmlns:p16="http://schemas.microsoft.com/office/powerpoint/2015/main" val="1"/>
+                </p:ext>
+              </p:extLst>
+            </p:nvPr>
+          </p:nvSpPr>
+          <p:spPr>
+            <a:xfrm>
+              <a:off x="8927117" y="0"/>
+              <a:ext cx="1130726" cy="565576"/>
+            </a:xfrm>
+            <a:custGeom>
+              <a:avLst/>
+              <a:gdLst>
+                <a:gd name="connsiteX0" fmla="*/ 22 w 1130726"/>
+                <a:gd name="connsiteY0" fmla="*/ 0 h 565576"/>
+                <a:gd name="connsiteX1" fmla="*/ 1130704 w 1130726"/>
+                <a:gd name="connsiteY1" fmla="*/ 0 h 565576"/>
+                <a:gd name="connsiteX2" fmla="*/ 1130726 w 1130726"/>
+                <a:gd name="connsiteY2" fmla="*/ 214 h 565576"/>
+                <a:gd name="connsiteX3" fmla="*/ 565363 w 1130726"/>
+                <a:gd name="connsiteY3" fmla="*/ 565576 h 565576"/>
+                <a:gd name="connsiteX4" fmla="*/ 0 w 1130726"/>
+                <a:gd name="connsiteY4" fmla="*/ 214 h 565576"/>
+              </a:gdLst>
+              <a:ahLst/>
+              <a:cxnLst>
+                <a:cxn ang="0">
+                  <a:pos x="connsiteX0" y="connsiteY0"/>
+                </a:cxn>
+                <a:cxn ang="0">
+                  <a:pos x="connsiteX1" y="connsiteY1"/>
+                </a:cxn>
+                <a:cxn ang="0">
+                  <a:pos x="connsiteX2" y="connsiteY2"/>
+                </a:cxn>
+                <a:cxn ang="0">
+                  <a:pos x="connsiteX3" y="connsiteY3"/>
+                </a:cxn>
+                <a:cxn ang="0">
+                  <a:pos x="connsiteX4" y="connsiteY4"/>
+                </a:cxn>
+              </a:cxnLst>
+              <a:rect l="l" t="t" r="r" b="b"/>
+              <a:pathLst>
+                <a:path w="1130726" h="565576">
+                  <a:moveTo>
+                    <a:pt x="22" y="0"/>
+                  </a:moveTo>
+                  <a:lnTo>
+                    <a:pt x="1130704" y="0"/>
+                  </a:lnTo>
+                  <a:lnTo>
+                    <a:pt x="1130726" y="214"/>
+                  </a:lnTo>
+                  <a:cubicBezTo>
+                    <a:pt x="1130726" y="312455"/>
+                    <a:pt x="877604" y="565576"/>
+                    <a:pt x="565363" y="565576"/>
+                  </a:cubicBezTo>
+                  <a:cubicBezTo>
+                    <a:pt x="253122" y="565576"/>
+                    <a:pt x="0" y="312455"/>
+                    <a:pt x="0" y="214"/>
+                  </a:cubicBezTo>
+                  <a:close/>
+                </a:path>
+              </a:pathLst>
+            </a:custGeom>
+            <a:solidFill>
+              <a:schemeClr val="accent1"/>
+            </a:solidFill>
+            <a:ln>
+              <a:noFill/>
+            </a:ln>
+          </p:spPr>
+          <p:style>
+            <a:lnRef idx="2">
+              <a:schemeClr val="accent1">
+                <a:shade val="50000"/>
+              </a:schemeClr>
+            </a:lnRef>
+            <a:fillRef idx="1">
+              <a:schemeClr val="accent1"/>
+            </a:fillRef>
+            <a:effectRef idx="0">
+              <a:schemeClr val="accent1"/>
+            </a:effectRef>
+            <a:fontRef idx="minor">
+              <a:schemeClr val="lt1"/>
+            </a:fontRef>
+          </p:style>
+          <p:txBody>
+            <a:bodyPr wrap="square" rtlCol="0" anchor="ctr">
+              <a:noAutofit/>
+            </a:bodyPr>
+            <a:lstStyle/>
+            <a:p>
+              <a:pPr algn="ctr"/>
+              <a:endParaRPr lang="en-US"/>
+            </a:p>
+          </p:txBody>
+        </p:sp>
+        <p:sp>
+          <p:nvSpPr>
+            <p:cNvPr id="24" name="Freeform 71">
+              <a:extLst>
+                <a:ext uri="{FF2B5EF4-FFF2-40B4-BE49-F238E27FC236}">
+                  <a16:creationId xmlns:a16="http://schemas.microsoft.com/office/drawing/2014/main" id="{C424FE38-F803-8D47-BF56-1B18EC2B1F03}"/>
+                </a:ext>
+                <a:ext uri="{C183D7F6-B498-43B3-948B-1728B52AA6E4}">
+                  <adec:decorative xmlns:adec="http://schemas.microsoft.com/office/drawing/2017/decorative" val="1"/>
+                </a:ext>
+              </a:extLst>
+            </p:cNvPr>
+            <p:cNvSpPr/>
+            <p:nvPr>
+              <p:extLst>
+                <p:ext uri="{386F3935-93C4-4BCD-93E2-E3B085C9AB24}">
+                  <p16:designElem xmlns:p16="http://schemas.microsoft.com/office/powerpoint/2015/main" val="1"/>
+                </p:ext>
+              </p:extLst>
+            </p:nvPr>
+          </p:nvSpPr>
+          <p:spPr>
+            <a:xfrm>
+              <a:off x="10289984" y="6292426"/>
+              <a:ext cx="1130724" cy="565575"/>
+            </a:xfrm>
+            <a:custGeom>
+              <a:avLst/>
+              <a:gdLst>
+                <a:gd name="connsiteX0" fmla="*/ 565362 w 1130724"/>
+                <a:gd name="connsiteY0" fmla="*/ 0 h 565575"/>
+                <a:gd name="connsiteX1" fmla="*/ 1130724 w 1130724"/>
+                <a:gd name="connsiteY1" fmla="*/ 565362 h 565575"/>
+                <a:gd name="connsiteX2" fmla="*/ 1130703 w 1130724"/>
+                <a:gd name="connsiteY2" fmla="*/ 565575 h 565575"/>
+                <a:gd name="connsiteX3" fmla="*/ 21 w 1130724"/>
+                <a:gd name="connsiteY3" fmla="*/ 565575 h 565575"/>
+                <a:gd name="connsiteX4" fmla="*/ 0 w 1130724"/>
+                <a:gd name="connsiteY4" fmla="*/ 565362 h 565575"/>
+                <a:gd name="connsiteX5" fmla="*/ 565362 w 1130724"/>
+                <a:gd name="connsiteY5" fmla="*/ 0 h 565575"/>
+              </a:gdLst>
+              <a:ahLst/>
+              <a:cxnLst>
+                <a:cxn ang="0">
+                  <a:pos x="connsiteX0" y="connsiteY0"/>
+                </a:cxn>
+                <a:cxn ang="0">
+                  <a:pos x="connsiteX1" y="connsiteY1"/>
+                </a:cxn>
+                <a:cxn ang="0">
+                  <a:pos x="connsiteX2" y="connsiteY2"/>
+                </a:cxn>
+                <a:cxn ang="0">
+                  <a:pos x="connsiteX3" y="connsiteY3"/>
+                </a:cxn>
+                <a:cxn ang="0">
+                  <a:pos x="connsiteX4" y="connsiteY4"/>
+                </a:cxn>
+                <a:cxn ang="0">
+                  <a:pos x="connsiteX5" y="connsiteY5"/>
+                </a:cxn>
+              </a:cxnLst>
+              <a:rect l="l" t="t" r="r" b="b"/>
+              <a:pathLst>
+                <a:path w="1130724" h="565575">
+                  <a:moveTo>
+                    <a:pt x="565362" y="0"/>
+                  </a:moveTo>
+                  <a:cubicBezTo>
+                    <a:pt x="877603" y="0"/>
+                    <a:pt x="1130724" y="253121"/>
+                    <a:pt x="1130724" y="565362"/>
+                  </a:cubicBezTo>
+                  <a:lnTo>
+                    <a:pt x="1130703" y="565575"/>
+                  </a:lnTo>
+                  <a:lnTo>
+                    <a:pt x="21" y="565575"/>
+                  </a:lnTo>
+                  <a:lnTo>
+                    <a:pt x="0" y="565362"/>
+                  </a:lnTo>
+                  <a:cubicBezTo>
+                    <a:pt x="0" y="253121"/>
+                    <a:pt x="253121" y="0"/>
+                    <a:pt x="565362" y="0"/>
+                  </a:cubicBezTo>
+                  <a:close/>
+                </a:path>
+              </a:pathLst>
+            </a:custGeom>
+            <a:solidFill>
+              <a:schemeClr val="bg2"/>
+            </a:solidFill>
+            <a:ln>
+              <a:noFill/>
+            </a:ln>
+          </p:spPr>
+          <p:style>
+            <a:lnRef idx="2">
+              <a:schemeClr val="accent1">
+                <a:shade val="50000"/>
+              </a:schemeClr>
+            </a:lnRef>
+            <a:fillRef idx="1">
+              <a:schemeClr val="accent1"/>
+            </a:fillRef>
+            <a:effectRef idx="0">
+              <a:schemeClr val="accent1"/>
+            </a:effectRef>
+            <a:fontRef idx="minor">
+              <a:schemeClr val="lt1"/>
+            </a:fontRef>
+          </p:style>
+          <p:txBody>
+            <a:bodyPr wrap="square" rtlCol="0" anchor="ctr">
+              <a:noAutofit/>
+            </a:bodyPr>
+            <a:lstStyle/>
+            <a:p>
+              <a:pPr algn="ctr"/>
+              <a:endParaRPr lang="en-US"/>
+            </a:p>
+          </p:txBody>
+        </p:sp>
+        <p:sp>
+          <p:nvSpPr>
+            <p:cNvPr id="25" name="Oval 24">
+              <a:extLst>
+                <a:ext uri="{FF2B5EF4-FFF2-40B4-BE49-F238E27FC236}">
+                  <a16:creationId xmlns:a16="http://schemas.microsoft.com/office/drawing/2014/main" id="{E37187F2-9212-0641-97D0-1ACD50B748A8}"/>
+                </a:ext>
+                <a:ext uri="{C183D7F6-B498-43B3-948B-1728B52AA6E4}">
+                  <adec:decorative xmlns:adec="http://schemas.microsoft.com/office/drawing/2017/decorative" val="1"/>
+                </a:ext>
+              </a:extLst>
+            </p:cNvPr>
+            <p:cNvSpPr/>
+            <p:nvPr>
+              <p:extLst>
+                <p:ext uri="{386F3935-93C4-4BCD-93E2-E3B085C9AB24}">
+                  <p16:designElem xmlns:p16="http://schemas.microsoft.com/office/powerpoint/2015/main" val="1"/>
+                </p:ext>
+              </p:extLst>
+            </p:nvPr>
+          </p:nvSpPr>
+          <p:spPr>
+            <a:xfrm>
+              <a:off x="10289984" y="4920911"/>
+              <a:ext cx="1130725" cy="1130724"/>
+            </a:xfrm>
+            <a:prstGeom prst="ellipse">
+              <a:avLst/>
+            </a:prstGeom>
+            <a:solidFill>
+              <a:schemeClr val="accent1"/>
+            </a:solidFill>
+            <a:ln>
+              <a:noFill/>
+            </a:ln>
+          </p:spPr>
+          <p:style>
+            <a:lnRef idx="2">
+              <a:schemeClr val="accent1">
+                <a:shade val="50000"/>
+              </a:schemeClr>
+            </a:lnRef>
+            <a:fillRef idx="1">
+              <a:schemeClr val="accent1"/>
+            </a:fillRef>
+            <a:effectRef idx="0">
+              <a:schemeClr val="accent1"/>
+            </a:effectRef>
+            <a:fontRef idx="minor">
+              <a:schemeClr val="lt1"/>
+            </a:fontRef>
+          </p:style>
+          <p:txBody>
+            <a:bodyPr rtlCol="0" anchor="ctr"/>
+            <a:lstStyle/>
+            <a:p>
+              <a:pPr algn="ctr"/>
+              <a:endParaRPr lang="en-US"/>
+            </a:p>
+          </p:txBody>
+        </p:sp>
+        <p:sp>
+          <p:nvSpPr>
+            <p:cNvPr id="26" name="Oval 25">
+              <a:extLst>
+                <a:ext uri="{FF2B5EF4-FFF2-40B4-BE49-F238E27FC236}">
+                  <a16:creationId xmlns:a16="http://schemas.microsoft.com/office/drawing/2014/main" id="{C760C651-2AC4-564E-BEAA-AB7FAFE7F79F}"/>
+                </a:ext>
+                <a:ext uri="{C183D7F6-B498-43B3-948B-1728B52AA6E4}">
+                  <adec:decorative xmlns:adec="http://schemas.microsoft.com/office/drawing/2017/decorative" val="1"/>
+                </a:ext>
+              </a:extLst>
+            </p:cNvPr>
+            <p:cNvSpPr/>
+            <p:nvPr>
+              <p:extLst>
+                <p:ext uri="{386F3935-93C4-4BCD-93E2-E3B085C9AB24}">
+                  <p16:designElem xmlns:p16="http://schemas.microsoft.com/office/powerpoint/2015/main" val="1"/>
+                </p:ext>
+              </p:extLst>
+            </p:nvPr>
+          </p:nvSpPr>
+          <p:spPr>
+            <a:xfrm>
+              <a:off x="10289984" y="3549396"/>
+              <a:ext cx="1130725" cy="1130724"/>
+            </a:xfrm>
+            <a:prstGeom prst="ellipse">
+              <a:avLst/>
+            </a:prstGeom>
+            <a:solidFill>
+              <a:schemeClr val="bg2"/>
+            </a:solidFill>
+            <a:ln>
+              <a:noFill/>
+            </a:ln>
+          </p:spPr>
+          <p:style>
+            <a:lnRef idx="2">
+              <a:schemeClr val="accent1">
+                <a:shade val="50000"/>
+              </a:schemeClr>
+            </a:lnRef>
+            <a:fillRef idx="1">
+              <a:schemeClr val="accent1"/>
+            </a:fillRef>
+            <a:effectRef idx="0">
+              <a:schemeClr val="accent1"/>
+            </a:effectRef>
+            <a:fontRef idx="minor">
+              <a:schemeClr val="lt1"/>
+            </a:fontRef>
+          </p:style>
+          <p:txBody>
+            <a:bodyPr rtlCol="0" anchor="ctr"/>
+            <a:lstStyle/>
+            <a:p>
+              <a:pPr algn="ctr"/>
+              <a:endParaRPr lang="en-US"/>
+            </a:p>
+          </p:txBody>
+        </p:sp>
+        <p:sp>
+          <p:nvSpPr>
+            <p:cNvPr id="27" name="Oval 26">
+              <a:extLst>
+                <a:ext uri="{FF2B5EF4-FFF2-40B4-BE49-F238E27FC236}">
+                  <a16:creationId xmlns:a16="http://schemas.microsoft.com/office/drawing/2014/main" id="{58B0A1B8-5BA3-3548-9511-B4904D05264B}"/>
+                </a:ext>
+                <a:ext uri="{C183D7F6-B498-43B3-948B-1728B52AA6E4}">
+                  <adec:decorative xmlns:adec="http://schemas.microsoft.com/office/drawing/2017/decorative" val="1"/>
+                </a:ext>
+              </a:extLst>
+            </p:cNvPr>
+            <p:cNvSpPr/>
+            <p:nvPr>
+              <p:extLst>
+                <p:ext uri="{386F3935-93C4-4BCD-93E2-E3B085C9AB24}">
+                  <p16:designElem xmlns:p16="http://schemas.microsoft.com/office/powerpoint/2015/main" val="1"/>
+                </p:ext>
+              </p:extLst>
+            </p:nvPr>
+          </p:nvSpPr>
+          <p:spPr>
+            <a:xfrm>
+              <a:off x="10289984" y="806366"/>
+              <a:ext cx="1130725" cy="1130724"/>
+            </a:xfrm>
+            <a:prstGeom prst="ellipse">
+              <a:avLst/>
+            </a:prstGeom>
+            <a:solidFill>
+              <a:schemeClr val="bg2"/>
+            </a:solidFill>
+            <a:ln>
+              <a:noFill/>
+            </a:ln>
+          </p:spPr>
+          <p:style>
+            <a:lnRef idx="2">
+              <a:schemeClr val="accent1">
+                <a:shade val="50000"/>
+              </a:schemeClr>
+            </a:lnRef>
+            <a:fillRef idx="1">
+              <a:schemeClr val="accent1"/>
+            </a:fillRef>
+            <a:effectRef idx="0">
+              <a:schemeClr val="accent1"/>
+            </a:effectRef>
+            <a:fontRef idx="minor">
+              <a:schemeClr val="lt1"/>
+            </a:fontRef>
+          </p:style>
+          <p:txBody>
+            <a:bodyPr rtlCol="0" anchor="ctr"/>
+            <a:lstStyle/>
+            <a:p>
+              <a:pPr algn="ctr"/>
+              <a:endParaRPr lang="en-US"/>
+            </a:p>
+          </p:txBody>
+        </p:sp>
+        <p:sp>
+          <p:nvSpPr>
+            <p:cNvPr id="28" name="Freeform 75">
+              <a:extLst>
+                <a:ext uri="{FF2B5EF4-FFF2-40B4-BE49-F238E27FC236}">
+                  <a16:creationId xmlns:a16="http://schemas.microsoft.com/office/drawing/2014/main" id="{424CD779-EE9A-214D-9488-767327E373AA}"/>
+                </a:ext>
+                <a:ext uri="{C183D7F6-B498-43B3-948B-1728B52AA6E4}">
+                  <adec:decorative xmlns:adec="http://schemas.microsoft.com/office/drawing/2017/decorative" val="1"/>
+                </a:ext>
+              </a:extLst>
+            </p:cNvPr>
+            <p:cNvSpPr/>
+            <p:nvPr>
+              <p:extLst>
+                <p:ext uri="{386F3935-93C4-4BCD-93E2-E3B085C9AB24}">
+                  <p16:designElem xmlns:p16="http://schemas.microsoft.com/office/powerpoint/2015/main" val="1"/>
+                </p:ext>
+              </p:extLst>
+            </p:nvPr>
+          </p:nvSpPr>
+          <p:spPr>
+            <a:xfrm>
+              <a:off x="10289983" y="0"/>
+              <a:ext cx="1130726" cy="565576"/>
+            </a:xfrm>
+            <a:custGeom>
+              <a:avLst/>
+              <a:gdLst>
+                <a:gd name="connsiteX0" fmla="*/ 21 w 1130726"/>
+                <a:gd name="connsiteY0" fmla="*/ 0 h 565576"/>
+                <a:gd name="connsiteX1" fmla="*/ 1130704 w 1130726"/>
+                <a:gd name="connsiteY1" fmla="*/ 0 h 565576"/>
+                <a:gd name="connsiteX2" fmla="*/ 1130726 w 1130726"/>
+                <a:gd name="connsiteY2" fmla="*/ 214 h 565576"/>
+                <a:gd name="connsiteX3" fmla="*/ 565363 w 1130726"/>
+                <a:gd name="connsiteY3" fmla="*/ 565576 h 565576"/>
+                <a:gd name="connsiteX4" fmla="*/ 0 w 1130726"/>
+                <a:gd name="connsiteY4" fmla="*/ 214 h 565576"/>
+              </a:gdLst>
+              <a:ahLst/>
+              <a:cxnLst>
+                <a:cxn ang="0">
+                  <a:pos x="connsiteX0" y="connsiteY0"/>
+                </a:cxn>
+                <a:cxn ang="0">
+                  <a:pos x="connsiteX1" y="connsiteY1"/>
+                </a:cxn>
+                <a:cxn ang="0">
+                  <a:pos x="connsiteX2" y="connsiteY2"/>
+                </a:cxn>
+                <a:cxn ang="0">
+                  <a:pos x="connsiteX3" y="connsiteY3"/>
+                </a:cxn>
+                <a:cxn ang="0">
+                  <a:pos x="connsiteX4" y="connsiteY4"/>
+                </a:cxn>
+              </a:cxnLst>
+              <a:rect l="l" t="t" r="r" b="b"/>
+              <a:pathLst>
+                <a:path w="1130726" h="565576">
+                  <a:moveTo>
+                    <a:pt x="21" y="0"/>
+                  </a:moveTo>
+                  <a:lnTo>
+                    <a:pt x="1130704" y="0"/>
+                  </a:lnTo>
+                  <a:lnTo>
+                    <a:pt x="1130726" y="214"/>
+                  </a:lnTo>
+                  <a:cubicBezTo>
+                    <a:pt x="1130726" y="312455"/>
+                    <a:pt x="877604" y="565576"/>
+                    <a:pt x="565363" y="565576"/>
+                  </a:cubicBezTo>
+                  <a:cubicBezTo>
+                    <a:pt x="253122" y="565576"/>
+                    <a:pt x="0" y="312455"/>
+                    <a:pt x="0" y="214"/>
+                  </a:cubicBezTo>
+                  <a:close/>
+                </a:path>
+              </a:pathLst>
+            </a:custGeom>
+            <a:solidFill>
+              <a:schemeClr val="bg2"/>
+            </a:solidFill>
+            <a:ln>
+              <a:noFill/>
+            </a:ln>
+          </p:spPr>
+          <p:style>
+            <a:lnRef idx="2">
+              <a:schemeClr val="accent1">
+                <a:shade val="50000"/>
+              </a:schemeClr>
+            </a:lnRef>
+            <a:fillRef idx="1">
+              <a:schemeClr val="accent1"/>
+            </a:fillRef>
+            <a:effectRef idx="0">
+              <a:schemeClr val="accent1"/>
+            </a:effectRef>
+            <a:fontRef idx="minor">
+              <a:schemeClr val="lt1"/>
+            </a:fontRef>
+          </p:style>
+          <p:txBody>
+            <a:bodyPr wrap="square" rtlCol="0" anchor="ctr">
+              <a:noAutofit/>
+            </a:bodyPr>
+            <a:lstStyle/>
+            <a:p>
+              <a:pPr algn="ctr"/>
+              <a:endParaRPr lang="en-US"/>
+            </a:p>
+          </p:txBody>
+        </p:sp>
+        <p:sp>
+          <p:nvSpPr>
+            <p:cNvPr id="29" name="Freeform 76">
+              <a:extLst>
+                <a:ext uri="{FF2B5EF4-FFF2-40B4-BE49-F238E27FC236}">
+                  <a16:creationId xmlns:a16="http://schemas.microsoft.com/office/drawing/2014/main" id="{630D08C6-9EFB-8540-875F-2A55DED2AAE3}"/>
+                </a:ext>
+                <a:ext uri="{C183D7F6-B498-43B3-948B-1728B52AA6E4}">
+                  <adec:decorative xmlns:adec="http://schemas.microsoft.com/office/drawing/2017/decorative" val="1"/>
+                </a:ext>
+              </a:extLst>
+            </p:cNvPr>
+            <p:cNvSpPr/>
+            <p:nvPr>
+              <p:extLst>
+                <p:ext uri="{386F3935-93C4-4BCD-93E2-E3B085C9AB24}">
+                  <p16:designElem xmlns:p16="http://schemas.microsoft.com/office/powerpoint/2015/main" val="1"/>
+                </p:ext>
+              </p:extLst>
+            </p:nvPr>
+          </p:nvSpPr>
+          <p:spPr>
+            <a:xfrm>
+              <a:off x="11652854" y="6295069"/>
+              <a:ext cx="539146" cy="562931"/>
+            </a:xfrm>
+            <a:custGeom>
+              <a:avLst/>
+              <a:gdLst>
+                <a:gd name="connsiteX0" fmla="*/ 539146 w 539146"/>
+                <a:gd name="connsiteY0" fmla="*/ 0 h 562931"/>
+                <a:gd name="connsiteX1" fmla="*/ 539146 w 539146"/>
+                <a:gd name="connsiteY1" fmla="*/ 562931 h 562931"/>
+                <a:gd name="connsiteX2" fmla="*/ 21 w 539146"/>
+                <a:gd name="connsiteY2" fmla="*/ 562931 h 562931"/>
+                <a:gd name="connsiteX3" fmla="*/ 0 w 539146"/>
+                <a:gd name="connsiteY3" fmla="*/ 562719 h 562931"/>
+                <a:gd name="connsiteX4" fmla="*/ 451422 w 539146"/>
+                <a:gd name="connsiteY4" fmla="*/ 8843 h 562931"/>
+              </a:gdLst>
+              <a:ahLst/>
+              <a:cxnLst>
+                <a:cxn ang="0">
+                  <a:pos x="connsiteX0" y="connsiteY0"/>
+                </a:cxn>
+                <a:cxn ang="0">
+                  <a:pos x="connsiteX1" y="connsiteY1"/>
+                </a:cxn>
+                <a:cxn ang="0">
+                  <a:pos x="connsiteX2" y="connsiteY2"/>
+                </a:cxn>
+                <a:cxn ang="0">
+                  <a:pos x="connsiteX3" y="connsiteY3"/>
+                </a:cxn>
+                <a:cxn ang="0">
+                  <a:pos x="connsiteX4" y="connsiteY4"/>
+                </a:cxn>
+              </a:cxnLst>
+              <a:rect l="l" t="t" r="r" b="b"/>
+              <a:pathLst>
+                <a:path w="539146" h="562931">
+                  <a:moveTo>
+                    <a:pt x="539146" y="0"/>
+                  </a:moveTo>
+                  <a:lnTo>
+                    <a:pt x="539146" y="562931"/>
+                  </a:lnTo>
+                  <a:lnTo>
+                    <a:pt x="21" y="562931"/>
+                  </a:lnTo>
+                  <a:lnTo>
+                    <a:pt x="0" y="562719"/>
+                  </a:lnTo>
+                  <a:cubicBezTo>
+                    <a:pt x="0" y="289508"/>
+                    <a:pt x="193796" y="61561"/>
+                    <a:pt x="451422" y="8843"/>
+                  </a:cubicBezTo>
+                  <a:close/>
+                </a:path>
+              </a:pathLst>
+            </a:custGeom>
+            <a:solidFill>
+              <a:schemeClr val="bg2"/>
+            </a:solidFill>
+            <a:ln>
+              <a:noFill/>
+            </a:ln>
+          </p:spPr>
+          <p:style>
+            <a:lnRef idx="2">
+              <a:schemeClr val="accent1">
+                <a:shade val="50000"/>
+              </a:schemeClr>
+            </a:lnRef>
+            <a:fillRef idx="1">
+              <a:schemeClr val="accent1"/>
+            </a:fillRef>
+            <a:effectRef idx="0">
+              <a:schemeClr val="accent1"/>
+            </a:effectRef>
+            <a:fontRef idx="minor">
+              <a:schemeClr val="lt1"/>
+            </a:fontRef>
+          </p:style>
+          <p:txBody>
+            <a:bodyPr wrap="square" rtlCol="0" anchor="ctr">
+              <a:noAutofit/>
+            </a:bodyPr>
+            <a:lstStyle/>
+            <a:p>
+              <a:pPr algn="ctr"/>
+              <a:endParaRPr lang="en-US"/>
+            </a:p>
+          </p:txBody>
+        </p:sp>
+        <p:sp>
+          <p:nvSpPr>
+            <p:cNvPr id="30" name="Freeform 77">
+              <a:extLst>
+                <a:ext uri="{FF2B5EF4-FFF2-40B4-BE49-F238E27FC236}">
+                  <a16:creationId xmlns:a16="http://schemas.microsoft.com/office/drawing/2014/main" id="{D7E8DA86-1294-4641-9C52-6E153150641C}"/>
+                </a:ext>
+                <a:ext uri="{C183D7F6-B498-43B3-948B-1728B52AA6E4}">
+                  <adec:decorative xmlns:adec="http://schemas.microsoft.com/office/drawing/2017/decorative" val="1"/>
+                </a:ext>
+              </a:extLst>
+            </p:cNvPr>
+            <p:cNvSpPr/>
+            <p:nvPr>
+              <p:extLst>
+                <p:ext uri="{386F3935-93C4-4BCD-93E2-E3B085C9AB24}">
+                  <p16:designElem xmlns:p16="http://schemas.microsoft.com/office/powerpoint/2015/main" val="1"/>
+                </p:ext>
+              </p:extLst>
+            </p:nvPr>
+          </p:nvSpPr>
+          <p:spPr>
+            <a:xfrm>
+              <a:off x="11652853" y="4923555"/>
+              <a:ext cx="539147" cy="1125439"/>
+            </a:xfrm>
+            <a:custGeom>
+              <a:avLst/>
+              <a:gdLst>
+                <a:gd name="connsiteX0" fmla="*/ 539147 w 539147"/>
+                <a:gd name="connsiteY0" fmla="*/ 0 h 1125439"/>
+                <a:gd name="connsiteX1" fmla="*/ 539147 w 539147"/>
+                <a:gd name="connsiteY1" fmla="*/ 1125439 h 1125439"/>
+                <a:gd name="connsiteX2" fmla="*/ 451423 w 539147"/>
+                <a:gd name="connsiteY2" fmla="*/ 1116595 h 1125439"/>
+                <a:gd name="connsiteX3" fmla="*/ 0 w 539147"/>
+                <a:gd name="connsiteY3" fmla="*/ 562719 h 1125439"/>
+                <a:gd name="connsiteX4" fmla="*/ 451423 w 539147"/>
+                <a:gd name="connsiteY4" fmla="*/ 8843 h 1125439"/>
+              </a:gdLst>
+              <a:ahLst/>
+              <a:cxnLst>
+                <a:cxn ang="0">
+                  <a:pos x="connsiteX0" y="connsiteY0"/>
+                </a:cxn>
+                <a:cxn ang="0">
+                  <a:pos x="connsiteX1" y="connsiteY1"/>
+                </a:cxn>
+                <a:cxn ang="0">
+                  <a:pos x="connsiteX2" y="connsiteY2"/>
+                </a:cxn>
+                <a:cxn ang="0">
+                  <a:pos x="connsiteX3" y="connsiteY3"/>
+                </a:cxn>
+                <a:cxn ang="0">
+                  <a:pos x="connsiteX4" y="connsiteY4"/>
+                </a:cxn>
+              </a:cxnLst>
+              <a:rect l="l" t="t" r="r" b="b"/>
+              <a:pathLst>
+                <a:path w="539147" h="1125439">
+                  <a:moveTo>
+                    <a:pt x="539147" y="0"/>
+                  </a:moveTo>
+                  <a:lnTo>
+                    <a:pt x="539147" y="1125439"/>
+                  </a:lnTo>
+                  <a:lnTo>
+                    <a:pt x="451423" y="1116595"/>
+                  </a:lnTo>
+                  <a:cubicBezTo>
+                    <a:pt x="193797" y="1063877"/>
+                    <a:pt x="0" y="835930"/>
+                    <a:pt x="0" y="562719"/>
+                  </a:cubicBezTo>
+                  <a:cubicBezTo>
+                    <a:pt x="0" y="289508"/>
+                    <a:pt x="193797" y="61561"/>
+                    <a:pt x="451423" y="8843"/>
+                  </a:cubicBezTo>
+                  <a:close/>
+                </a:path>
+              </a:pathLst>
+            </a:custGeom>
+            <a:solidFill>
+              <a:schemeClr val="accent1"/>
+            </a:solidFill>
+            <a:ln>
+              <a:noFill/>
+            </a:ln>
+          </p:spPr>
+          <p:style>
+            <a:lnRef idx="2">
+              <a:schemeClr val="accent1">
+                <a:shade val="50000"/>
+              </a:schemeClr>
+            </a:lnRef>
+            <a:fillRef idx="1">
+              <a:schemeClr val="accent1"/>
+            </a:fillRef>
+            <a:effectRef idx="0">
+              <a:schemeClr val="accent1"/>
+            </a:effectRef>
+            <a:fontRef idx="minor">
+              <a:schemeClr val="lt1"/>
+            </a:fontRef>
+          </p:style>
+          <p:txBody>
+            <a:bodyPr wrap="square" rtlCol="0" anchor="ctr">
+              <a:noAutofit/>
+            </a:bodyPr>
+            <a:lstStyle/>
+            <a:p>
+              <a:pPr algn="ctr"/>
+              <a:endParaRPr lang="en-US"/>
+            </a:p>
+          </p:txBody>
+        </p:sp>
+        <p:sp>
+          <p:nvSpPr>
+            <p:cNvPr id="31" name="Freeform 78">
+              <a:extLst>
+                <a:ext uri="{FF2B5EF4-FFF2-40B4-BE49-F238E27FC236}">
+                  <a16:creationId xmlns:a16="http://schemas.microsoft.com/office/drawing/2014/main" id="{011063C9-2A43-3348-A018-F27FACAA778D}"/>
+                </a:ext>
+                <a:ext uri="{C183D7F6-B498-43B3-948B-1728B52AA6E4}">
+                  <adec:decorative xmlns:adec="http://schemas.microsoft.com/office/drawing/2017/decorative" val="1"/>
+                </a:ext>
+              </a:extLst>
+            </p:cNvPr>
+            <p:cNvSpPr/>
+            <p:nvPr>
+              <p:extLst>
+                <p:ext uri="{386F3935-93C4-4BCD-93E2-E3B085C9AB24}">
+                  <p16:designElem xmlns:p16="http://schemas.microsoft.com/office/powerpoint/2015/main" val="1"/>
+                </p:ext>
+              </p:extLst>
+            </p:nvPr>
+          </p:nvSpPr>
+          <p:spPr>
+            <a:xfrm>
+              <a:off x="11652853" y="3552039"/>
+              <a:ext cx="539147" cy="1125438"/>
+            </a:xfrm>
+            <a:custGeom>
+              <a:avLst/>
+              <a:gdLst>
+                <a:gd name="connsiteX0" fmla="*/ 539147 w 539147"/>
+                <a:gd name="connsiteY0" fmla="*/ 0 h 1125438"/>
+                <a:gd name="connsiteX1" fmla="*/ 539147 w 539147"/>
+                <a:gd name="connsiteY1" fmla="*/ 1125438 h 1125438"/>
+                <a:gd name="connsiteX2" fmla="*/ 451423 w 539147"/>
+                <a:gd name="connsiteY2" fmla="*/ 1116595 h 1125438"/>
+                <a:gd name="connsiteX3" fmla="*/ 0 w 539147"/>
+                <a:gd name="connsiteY3" fmla="*/ 562719 h 1125438"/>
+                <a:gd name="connsiteX4" fmla="*/ 451423 w 539147"/>
+                <a:gd name="connsiteY4" fmla="*/ 8843 h 1125438"/>
+              </a:gdLst>
+              <a:ahLst/>
+              <a:cxnLst>
+                <a:cxn ang="0">
+                  <a:pos x="connsiteX0" y="connsiteY0"/>
+                </a:cxn>
+                <a:cxn ang="0">
+                  <a:pos x="connsiteX1" y="connsiteY1"/>
+                </a:cxn>
+                <a:cxn ang="0">
+                  <a:pos x="connsiteX2" y="connsiteY2"/>
+                </a:cxn>
+                <a:cxn ang="0">
+                  <a:pos x="connsiteX3" y="connsiteY3"/>
+                </a:cxn>
+                <a:cxn ang="0">
+                  <a:pos x="connsiteX4" y="connsiteY4"/>
+                </a:cxn>
+              </a:cxnLst>
+              <a:rect l="l" t="t" r="r" b="b"/>
+              <a:pathLst>
+                <a:path w="539147" h="1125438">
+                  <a:moveTo>
+                    <a:pt x="539147" y="0"/>
+                  </a:moveTo>
+                  <a:lnTo>
+                    <a:pt x="539147" y="1125438"/>
+                  </a:lnTo>
+                  <a:lnTo>
+                    <a:pt x="451423" y="1116595"/>
+                  </a:lnTo>
+                  <a:cubicBezTo>
+                    <a:pt x="193797" y="1063877"/>
+                    <a:pt x="0" y="835930"/>
+                    <a:pt x="0" y="562719"/>
+                  </a:cubicBezTo>
+                  <a:cubicBezTo>
+                    <a:pt x="0" y="289508"/>
+                    <a:pt x="193797" y="61561"/>
+                    <a:pt x="451423" y="8843"/>
+                  </a:cubicBezTo>
+                  <a:close/>
+                </a:path>
+              </a:pathLst>
+            </a:custGeom>
+            <a:solidFill>
+              <a:schemeClr val="bg2"/>
+            </a:solidFill>
+            <a:ln>
+              <a:noFill/>
+            </a:ln>
+          </p:spPr>
+          <p:style>
+            <a:lnRef idx="2">
+              <a:schemeClr val="accent1">
+                <a:shade val="50000"/>
+              </a:schemeClr>
+            </a:lnRef>
+            <a:fillRef idx="1">
+              <a:schemeClr val="accent1"/>
+            </a:fillRef>
+            <a:effectRef idx="0">
+              <a:schemeClr val="accent1"/>
+            </a:effectRef>
+            <a:fontRef idx="minor">
+              <a:schemeClr val="lt1"/>
+            </a:fontRef>
+          </p:style>
+          <p:txBody>
+            <a:bodyPr wrap="square" rtlCol="0" anchor="ctr">
+              <a:noAutofit/>
+            </a:bodyPr>
+            <a:lstStyle/>
+            <a:p>
+              <a:pPr algn="ctr"/>
+              <a:endParaRPr lang="en-US"/>
+            </a:p>
+          </p:txBody>
+        </p:sp>
+        <p:sp>
+          <p:nvSpPr>
+            <p:cNvPr id="32" name="Freeform 79">
+              <a:extLst>
+                <a:ext uri="{FF2B5EF4-FFF2-40B4-BE49-F238E27FC236}">
+                  <a16:creationId xmlns:a16="http://schemas.microsoft.com/office/drawing/2014/main" id="{EE85C7DE-D965-244F-BD95-3A05FF4AAC61}"/>
+                </a:ext>
+                <a:ext uri="{C183D7F6-B498-43B3-948B-1728B52AA6E4}">
+                  <adec:decorative xmlns:adec="http://schemas.microsoft.com/office/drawing/2017/decorative" val="1"/>
+                </a:ext>
+              </a:extLst>
+            </p:cNvPr>
+            <p:cNvSpPr/>
+            <p:nvPr>
+              <p:extLst>
+                <p:ext uri="{386F3935-93C4-4BCD-93E2-E3B085C9AB24}">
+                  <p16:designElem xmlns:p16="http://schemas.microsoft.com/office/powerpoint/2015/main" val="1"/>
+                </p:ext>
+              </p:extLst>
+            </p:nvPr>
+          </p:nvSpPr>
+          <p:spPr>
+            <a:xfrm>
+              <a:off x="11652853" y="2180524"/>
+              <a:ext cx="539147" cy="1125438"/>
+            </a:xfrm>
+            <a:custGeom>
+              <a:avLst/>
+              <a:gdLst>
+                <a:gd name="connsiteX0" fmla="*/ 539147 w 539147"/>
+                <a:gd name="connsiteY0" fmla="*/ 0 h 1125438"/>
+                <a:gd name="connsiteX1" fmla="*/ 539147 w 539147"/>
+                <a:gd name="connsiteY1" fmla="*/ 1125438 h 1125438"/>
+                <a:gd name="connsiteX2" fmla="*/ 451423 w 539147"/>
+                <a:gd name="connsiteY2" fmla="*/ 1116595 h 1125438"/>
+                <a:gd name="connsiteX3" fmla="*/ 0 w 539147"/>
+                <a:gd name="connsiteY3" fmla="*/ 562719 h 1125438"/>
+                <a:gd name="connsiteX4" fmla="*/ 451423 w 539147"/>
+                <a:gd name="connsiteY4" fmla="*/ 8843 h 1125438"/>
+              </a:gdLst>
+              <a:ahLst/>
+              <a:cxnLst>
+                <a:cxn ang="0">
+                  <a:pos x="connsiteX0" y="connsiteY0"/>
+                </a:cxn>
+                <a:cxn ang="0">
+                  <a:pos x="connsiteX1" y="connsiteY1"/>
+                </a:cxn>
+                <a:cxn ang="0">
+                  <a:pos x="connsiteX2" y="connsiteY2"/>
+                </a:cxn>
+                <a:cxn ang="0">
+                  <a:pos x="connsiteX3" y="connsiteY3"/>
+                </a:cxn>
+                <a:cxn ang="0">
+                  <a:pos x="connsiteX4" y="connsiteY4"/>
+                </a:cxn>
+              </a:cxnLst>
+              <a:rect l="l" t="t" r="r" b="b"/>
+              <a:pathLst>
+                <a:path w="539147" h="1125438">
+                  <a:moveTo>
+                    <a:pt x="539147" y="0"/>
+                  </a:moveTo>
+                  <a:lnTo>
+                    <a:pt x="539147" y="1125438"/>
+                  </a:lnTo>
+                  <a:lnTo>
+                    <a:pt x="451423" y="1116595"/>
+                  </a:lnTo>
+                  <a:cubicBezTo>
+                    <a:pt x="193797" y="1063877"/>
+                    <a:pt x="0" y="835930"/>
+                    <a:pt x="0" y="562719"/>
+                  </a:cubicBezTo>
+                  <a:cubicBezTo>
+                    <a:pt x="0" y="289509"/>
+                    <a:pt x="193797" y="61561"/>
+                    <a:pt x="451423" y="8843"/>
+                  </a:cubicBezTo>
+                  <a:close/>
+                </a:path>
+              </a:pathLst>
+            </a:custGeom>
+            <a:solidFill>
+              <a:schemeClr val="bg2"/>
+            </a:solidFill>
+            <a:ln>
+              <a:noFill/>
+            </a:ln>
+          </p:spPr>
+          <p:style>
+            <a:lnRef idx="2">
+              <a:schemeClr val="accent1">
+                <a:shade val="50000"/>
+              </a:schemeClr>
+            </a:lnRef>
+            <a:fillRef idx="1">
+              <a:schemeClr val="accent1"/>
+            </a:fillRef>
+            <a:effectRef idx="0">
+              <a:schemeClr val="accent1"/>
+            </a:effectRef>
+            <a:fontRef idx="minor">
+              <a:schemeClr val="lt1"/>
+            </a:fontRef>
+          </p:style>
+          <p:txBody>
+            <a:bodyPr wrap="square" rtlCol="0" anchor="ctr">
+              <a:noAutofit/>
+            </a:bodyPr>
+            <a:lstStyle/>
+            <a:p>
+              <a:pPr algn="ctr"/>
+              <a:endParaRPr lang="en-US"/>
+            </a:p>
+          </p:txBody>
+        </p:sp>
+        <p:sp>
+          <p:nvSpPr>
+            <p:cNvPr id="33" name="Freeform 80">
+              <a:extLst>
+                <a:ext uri="{FF2B5EF4-FFF2-40B4-BE49-F238E27FC236}">
+                  <a16:creationId xmlns:a16="http://schemas.microsoft.com/office/drawing/2014/main" id="{315A1389-149A-3342-A863-637D42FDB28D}"/>
+                </a:ext>
+                <a:ext uri="{C183D7F6-B498-43B3-948B-1728B52AA6E4}">
+                  <adec:decorative xmlns:adec="http://schemas.microsoft.com/office/drawing/2017/decorative" val="1"/>
+                </a:ext>
+              </a:extLst>
+            </p:cNvPr>
+            <p:cNvSpPr/>
+            <p:nvPr>
+              <p:extLst>
+                <p:ext uri="{386F3935-93C4-4BCD-93E2-E3B085C9AB24}">
+                  <p16:designElem xmlns:p16="http://schemas.microsoft.com/office/powerpoint/2015/main" val="1"/>
+                </p:ext>
+              </p:extLst>
+            </p:nvPr>
+          </p:nvSpPr>
+          <p:spPr>
+            <a:xfrm>
+              <a:off x="11652853" y="809010"/>
+              <a:ext cx="539147" cy="1125439"/>
+            </a:xfrm>
+            <a:custGeom>
+              <a:avLst/>
+              <a:gdLst>
+                <a:gd name="connsiteX0" fmla="*/ 539147 w 539147"/>
+                <a:gd name="connsiteY0" fmla="*/ 0 h 1125439"/>
+                <a:gd name="connsiteX1" fmla="*/ 539147 w 539147"/>
+                <a:gd name="connsiteY1" fmla="*/ 1125439 h 1125439"/>
+                <a:gd name="connsiteX2" fmla="*/ 451423 w 539147"/>
+                <a:gd name="connsiteY2" fmla="*/ 1116595 h 1125439"/>
+                <a:gd name="connsiteX3" fmla="*/ 0 w 539147"/>
+                <a:gd name="connsiteY3" fmla="*/ 562719 h 1125439"/>
+                <a:gd name="connsiteX4" fmla="*/ 451423 w 539147"/>
+                <a:gd name="connsiteY4" fmla="*/ 8843 h 1125439"/>
+              </a:gdLst>
+              <a:ahLst/>
+              <a:cxnLst>
+                <a:cxn ang="0">
+                  <a:pos x="connsiteX0" y="connsiteY0"/>
+                </a:cxn>
+                <a:cxn ang="0">
+                  <a:pos x="connsiteX1" y="connsiteY1"/>
+                </a:cxn>
+                <a:cxn ang="0">
+                  <a:pos x="connsiteX2" y="connsiteY2"/>
+                </a:cxn>
+                <a:cxn ang="0">
+                  <a:pos x="connsiteX3" y="connsiteY3"/>
+                </a:cxn>
+                <a:cxn ang="0">
+                  <a:pos x="connsiteX4" y="connsiteY4"/>
+                </a:cxn>
+              </a:cxnLst>
+              <a:rect l="l" t="t" r="r" b="b"/>
+              <a:pathLst>
+                <a:path w="539147" h="1125439">
+                  <a:moveTo>
+                    <a:pt x="539147" y="0"/>
+                  </a:moveTo>
+                  <a:lnTo>
+                    <a:pt x="539147" y="1125439"/>
+                  </a:lnTo>
+                  <a:lnTo>
+                    <a:pt x="451423" y="1116595"/>
+                  </a:lnTo>
+                  <a:cubicBezTo>
+                    <a:pt x="193797" y="1063877"/>
+                    <a:pt x="0" y="835930"/>
+                    <a:pt x="0" y="562719"/>
+                  </a:cubicBezTo>
+                  <a:cubicBezTo>
+                    <a:pt x="0" y="289508"/>
+                    <a:pt x="193797" y="61561"/>
+                    <a:pt x="451423" y="8843"/>
+                  </a:cubicBezTo>
+                  <a:close/>
+                </a:path>
+              </a:pathLst>
+            </a:custGeom>
+            <a:solidFill>
+              <a:schemeClr val="bg2"/>
+            </a:solidFill>
+            <a:ln>
+              <a:noFill/>
+            </a:ln>
+          </p:spPr>
+          <p:style>
+            <a:lnRef idx="2">
+              <a:schemeClr val="accent1">
+                <a:shade val="50000"/>
+              </a:schemeClr>
+            </a:lnRef>
+            <a:fillRef idx="1">
+              <a:schemeClr val="accent1"/>
+            </a:fillRef>
+            <a:effectRef idx="0">
+              <a:schemeClr val="accent1"/>
+            </a:effectRef>
+            <a:fontRef idx="minor">
+              <a:schemeClr val="lt1"/>
+            </a:fontRef>
+          </p:style>
+          <p:txBody>
+            <a:bodyPr wrap="square" rtlCol="0" anchor="ctr">
+              <a:noAutofit/>
+            </a:bodyPr>
+            <a:lstStyle/>
+            <a:p>
+              <a:pPr algn="ctr"/>
+              <a:endParaRPr lang="en-US"/>
+            </a:p>
+          </p:txBody>
+        </p:sp>
+        <p:sp>
+          <p:nvSpPr>
+            <p:cNvPr id="34" name="Freeform 81">
+              <a:extLst>
+                <a:ext uri="{FF2B5EF4-FFF2-40B4-BE49-F238E27FC236}">
+                  <a16:creationId xmlns:a16="http://schemas.microsoft.com/office/drawing/2014/main" id="{B149CC6F-B6C6-BE46-B451-1BF7D47A8936}"/>
+                </a:ext>
+                <a:ext uri="{C183D7F6-B498-43B3-948B-1728B52AA6E4}">
+                  <adec:decorative xmlns:adec="http://schemas.microsoft.com/office/drawing/2017/decorative" val="1"/>
+                </a:ext>
+              </a:extLst>
+            </p:cNvPr>
+            <p:cNvSpPr/>
+            <p:nvPr>
+              <p:extLst>
+                <p:ext uri="{386F3935-93C4-4BCD-93E2-E3B085C9AB24}">
+                  <p16:designElem xmlns:p16="http://schemas.microsoft.com/office/powerpoint/2015/main" val="1"/>
+                </p:ext>
+              </p:extLst>
+            </p:nvPr>
+          </p:nvSpPr>
+          <p:spPr>
+            <a:xfrm>
+              <a:off x="11652853" y="1"/>
+              <a:ext cx="539147" cy="562933"/>
+            </a:xfrm>
+            <a:custGeom>
+              <a:avLst/>
+              <a:gdLst>
+                <a:gd name="connsiteX0" fmla="*/ 22 w 539147"/>
+                <a:gd name="connsiteY0" fmla="*/ 0 h 562933"/>
+                <a:gd name="connsiteX1" fmla="*/ 539147 w 539147"/>
+                <a:gd name="connsiteY1" fmla="*/ 0 h 562933"/>
+                <a:gd name="connsiteX2" fmla="*/ 539147 w 539147"/>
+                <a:gd name="connsiteY2" fmla="*/ 562933 h 562933"/>
+                <a:gd name="connsiteX3" fmla="*/ 451423 w 539147"/>
+                <a:gd name="connsiteY3" fmla="*/ 554090 h 562933"/>
+                <a:gd name="connsiteX4" fmla="*/ 0 w 539147"/>
+                <a:gd name="connsiteY4" fmla="*/ 214 h 562933"/>
+              </a:gdLst>
+              <a:ahLst/>
+              <a:cxnLst>
+                <a:cxn ang="0">
+                  <a:pos x="connsiteX0" y="connsiteY0"/>
+                </a:cxn>
+                <a:cxn ang="0">
+                  <a:pos x="connsiteX1" y="connsiteY1"/>
+                </a:cxn>
+                <a:cxn ang="0">
+                  <a:pos x="connsiteX2" y="connsiteY2"/>
+                </a:cxn>
+                <a:cxn ang="0">
+                  <a:pos x="connsiteX3" y="connsiteY3"/>
+                </a:cxn>
+                <a:cxn ang="0">
+                  <a:pos x="connsiteX4" y="connsiteY4"/>
+                </a:cxn>
+              </a:cxnLst>
+              <a:rect l="l" t="t" r="r" b="b"/>
+              <a:pathLst>
+                <a:path w="539147" h="562933">
+                  <a:moveTo>
+                    <a:pt x="22" y="0"/>
+                  </a:moveTo>
+                  <a:lnTo>
+                    <a:pt x="539147" y="0"/>
+                  </a:lnTo>
+                  <a:lnTo>
+                    <a:pt x="539147" y="562933"/>
+                  </a:lnTo>
+                  <a:lnTo>
+                    <a:pt x="451423" y="554090"/>
+                  </a:lnTo>
+                  <a:cubicBezTo>
+                    <a:pt x="193797" y="501372"/>
+                    <a:pt x="0" y="273425"/>
+                    <a:pt x="0" y="214"/>
+                  </a:cubicBezTo>
+                  <a:close/>
+                </a:path>
+              </a:pathLst>
+            </a:custGeom>
+            <a:solidFill>
+              <a:schemeClr val="bg2"/>
+            </a:solidFill>
+            <a:ln>
+              <a:noFill/>
+            </a:ln>
+          </p:spPr>
+          <p:style>
+            <a:lnRef idx="2">
+              <a:schemeClr val="accent1">
+                <a:shade val="50000"/>
+              </a:schemeClr>
+            </a:lnRef>
+            <a:fillRef idx="1">
+              <a:schemeClr val="accent1"/>
+            </a:fillRef>
+            <a:effectRef idx="0">
+              <a:schemeClr val="accent1"/>
+            </a:effectRef>
+            <a:fontRef idx="minor">
+              <a:schemeClr val="lt1"/>
+            </a:fontRef>
+          </p:style>
+          <p:txBody>
+            <a:bodyPr wrap="square" rtlCol="0" anchor="ctr">
+              <a:noAutofit/>
+            </a:bodyPr>
+            <a:lstStyle/>
+            <a:p>
+              <a:pPr algn="ctr"/>
+              <a:endParaRPr lang="en-US"/>
+            </a:p>
+          </p:txBody>
+        </p:sp>
+      </p:grpSp>
+      <p:cxnSp>
+        <p:nvCxnSpPr>
+          <p:cNvPr id="36" name="Straight Connector 35">
+            <a:extLst>
+              <a:ext uri="{FF2B5EF4-FFF2-40B4-BE49-F238E27FC236}">
+                <a16:creationId xmlns:a16="http://schemas.microsoft.com/office/drawing/2014/main" id="{D33A3282-0389-C547-8CA6-7F3E7F27B34D}"/>
+              </a:ext>
+              <a:ext uri="{C183D7F6-B498-43B3-948B-1728B52AA6E4}">
+                <adec:decorative xmlns:adec="http://schemas.microsoft.com/office/drawing/2017/decorative" val="1"/>
+              </a:ext>
+            </a:extLst>
+          </p:cNvPr>
+          <p:cNvCxnSpPr>
+            <a:cxnSpLocks noGrp="1" noRot="1" noChangeAspect="1" noMove="1" noResize="1" noEditPoints="1" noAdjustHandles="1" noChangeArrowheads="1" noChangeShapeType="1"/>
+          </p:cNvCxnSpPr>
+          <p:nvPr>
+            <p:extLst>
+              <p:ext uri="{386F3935-93C4-4BCD-93E2-E3B085C9AB24}">
+                <p16:designElem xmlns:p16="http://schemas.microsoft.com/office/powerpoint/2015/main" val="1"/>
+              </p:ext>
+            </p:extLst>
+          </p:nvPr>
+        </p:nvCxnSpPr>
+        <p:spPr>
+          <a:xfrm>
+            <a:off x="565150" y="6087110"/>
+            <a:ext cx="5066001" cy="0"/>
+          </a:xfrm>
+          <a:prstGeom prst="line">
+            <a:avLst/>
+          </a:prstGeom>
+          <a:ln w="12700">
+            <a:solidFill>
+              <a:schemeClr val="bg1">
+                <a:lumMod val="65000"/>
+              </a:schemeClr>
+            </a:solidFill>
+          </a:ln>
+        </p:spPr>
+        <p:style>
+          <a:lnRef idx="1">
+            <a:schemeClr val="accent1"/>
+          </a:lnRef>
+          <a:fillRef idx="0">
+            <a:schemeClr val="accent1"/>
+          </a:fillRef>
+          <a:effectRef idx="0">
+            <a:schemeClr val="accent1"/>
+          </a:effectRef>
+          <a:fontRef idx="minor">
+            <a:schemeClr val="tx1"/>
+          </a:fontRef>
+        </p:style>
+      </p:cxnSp>
+      <p:sp useBgFill="1">
+        <p:nvSpPr>
+          <p:cNvPr id="38" name="Rectangle 37">
+            <a:extLst>
+              <a:ext uri="{FF2B5EF4-FFF2-40B4-BE49-F238E27FC236}">
+                <a16:creationId xmlns:a16="http://schemas.microsoft.com/office/drawing/2014/main" id="{4EFE82FE-7465-AE46-88DF-34D347E83B84}"/>
+              </a:ext>
+              <a:ext uri="{C183D7F6-B498-43B3-948B-1728B52AA6E4}">
+                <adec:decorative xmlns:adec="http://schemas.microsoft.com/office/drawing/2017/decorative" val="1"/>
+              </a:ext>
+            </a:extLst>
+          </p:cNvPr>
+          <p:cNvSpPr>
+            <a:spLocks noGrp="1" noRot="1" noChangeAspect="1" noMove="1" noResize="1" noEditPoints="1" noAdjustHandles="1" noChangeArrowheads="1" noChangeShapeType="1" noTextEdit="1"/>
+          </p:cNvSpPr>
+          <p:nvPr>
+            <p:extLst>
+              <p:ext uri="{386F3935-93C4-4BCD-93E2-E3B085C9AB24}">
+                <p16:designElem xmlns:p16="http://schemas.microsoft.com/office/powerpoint/2015/main" val="1"/>
+              </p:ext>
+            </p:extLst>
+          </p:nvPr>
+        </p:nvSpPr>
+        <p:spPr>
+          <a:xfrm>
+            <a:off x="0" y="0"/>
+            <a:ext cx="12192000" cy="6858000"/>
+          </a:xfrm>
+          <a:prstGeom prst="rect">
+            <a:avLst/>
+          </a:prstGeom>
+          <a:ln>
+            <a:noFill/>
+          </a:ln>
+        </p:spPr>
+        <p:style>
+          <a:lnRef idx="2">
+            <a:schemeClr val="accent1">
+              <a:shade val="50000"/>
+            </a:schemeClr>
+          </a:lnRef>
+          <a:fillRef idx="1">
+            <a:schemeClr val="accent1"/>
+          </a:fillRef>
+          <a:effectRef idx="0">
+            <a:schemeClr val="accent1"/>
+          </a:effectRef>
+          <a:fontRef idx="minor">
+            <a:schemeClr val="lt1"/>
+          </a:fontRef>
+        </p:style>
+        <p:txBody>
+          <a:bodyPr rtlCol="0" anchor="ctr"/>
+          <a:lstStyle/>
+          <a:p>
+            <a:pPr algn="ctr"/>
+            <a:endParaRPr lang="en-US"/>
+          </a:p>
+        </p:txBody>
+      </p:sp>
+      <p:grpSp>
+        <p:nvGrpSpPr>
+          <p:cNvPr id="40" name="Group 39">
+            <a:extLst>
+              <a:ext uri="{FF2B5EF4-FFF2-40B4-BE49-F238E27FC236}">
+                <a16:creationId xmlns:a16="http://schemas.microsoft.com/office/drawing/2014/main" id="{26C321DA-1EDE-3E4B-8B73-6477B2C6D046}"/>
+              </a:ext>
+              <a:ext uri="{C183D7F6-B498-43B3-948B-1728B52AA6E4}">
+                <adec:decorative xmlns:adec="http://schemas.microsoft.com/office/drawing/2017/decorative" val="1"/>
+              </a:ext>
+            </a:extLst>
+          </p:cNvPr>
+          <p:cNvGrpSpPr>
+            <a:grpSpLocks noGrp="1" noUngrp="1" noRot="1" noChangeAspect="1" noMove="1" noResize="1"/>
+          </p:cNvGrpSpPr>
+          <p:nvPr>
+            <p:extLst>
+              <p:ext uri="{386F3935-93C4-4BCD-93E2-E3B085C9AB24}">
+                <p16:designElem xmlns:p16="http://schemas.microsoft.com/office/powerpoint/2015/main" val="1"/>
+              </p:ext>
+            </p:extLst>
+          </p:nvPr>
+        </p:nvGrpSpPr>
+        <p:grpSpPr>
+          <a:xfrm>
+            <a:off x="10290315" y="0"/>
+            <a:ext cx="1901686" cy="6858000"/>
+            <a:chOff x="10290315" y="0"/>
+            <a:chExt cx="1901686" cy="6858000"/>
+          </a:xfrm>
+        </p:grpSpPr>
+        <p:sp>
+          <p:nvSpPr>
+            <p:cNvPr id="41" name="Oval 40">
+              <a:extLst>
+                <a:ext uri="{FF2B5EF4-FFF2-40B4-BE49-F238E27FC236}">
+                  <a16:creationId xmlns:a16="http://schemas.microsoft.com/office/drawing/2014/main" id="{DC13524B-3A91-1E40-840D-09EDE65E05DB}"/>
+                </a:ext>
+                <a:ext uri="{C183D7F6-B498-43B3-948B-1728B52AA6E4}">
+                  <adec:decorative xmlns:adec="http://schemas.microsoft.com/office/drawing/2017/decorative" val="1"/>
+                </a:ext>
+              </a:extLst>
+            </p:cNvPr>
+            <p:cNvSpPr/>
+            <p:nvPr>
+              <p:extLst>
+                <p:ext uri="{386F3935-93C4-4BCD-93E2-E3B085C9AB24}">
+                  <p16:designElem xmlns:p16="http://schemas.microsoft.com/office/powerpoint/2015/main" val="1"/>
+                </p:ext>
+              </p:extLst>
+            </p:nvPr>
+          </p:nvSpPr>
+          <p:spPr>
+            <a:xfrm>
+              <a:off x="10290315" y="3549390"/>
+              <a:ext cx="1130724" cy="1130723"/>
+            </a:xfrm>
+            <a:prstGeom prst="ellipse">
+              <a:avLst/>
+            </a:prstGeom>
+            <a:solidFill>
+              <a:schemeClr val="bg2"/>
+            </a:solidFill>
+            <a:ln>
+              <a:noFill/>
+            </a:ln>
+          </p:spPr>
+          <p:style>
+            <a:lnRef idx="2">
+              <a:schemeClr val="accent1">
+                <a:shade val="50000"/>
+              </a:schemeClr>
+            </a:lnRef>
+            <a:fillRef idx="1">
+              <a:schemeClr val="accent1"/>
+            </a:fillRef>
+            <a:effectRef idx="0">
+              <a:schemeClr val="accent1"/>
+            </a:effectRef>
+            <a:fontRef idx="minor">
+              <a:schemeClr val="lt1"/>
+            </a:fontRef>
+          </p:style>
+          <p:txBody>
+            <a:bodyPr rtlCol="0" anchor="ctr"/>
+            <a:lstStyle/>
+            <a:p>
+              <a:pPr algn="ctr"/>
+              <a:endParaRPr lang="en-US"/>
+            </a:p>
+          </p:txBody>
+        </p:sp>
+        <p:sp>
+          <p:nvSpPr>
+            <p:cNvPr id="42" name="Freeform 85">
+              <a:extLst>
+                <a:ext uri="{FF2B5EF4-FFF2-40B4-BE49-F238E27FC236}">
+                  <a16:creationId xmlns:a16="http://schemas.microsoft.com/office/drawing/2014/main" id="{E03B804C-EF61-0141-A6AB-D81EDA5AC32E}"/>
+                </a:ext>
+                <a:ext uri="{C183D7F6-B498-43B3-948B-1728B52AA6E4}">
+                  <adec:decorative xmlns:adec="http://schemas.microsoft.com/office/drawing/2017/decorative" val="1"/>
+                </a:ext>
+              </a:extLst>
+            </p:cNvPr>
+            <p:cNvSpPr/>
+            <p:nvPr>
+              <p:extLst>
+                <p:ext uri="{386F3935-93C4-4BCD-93E2-E3B085C9AB24}">
+                  <p16:designElem xmlns:p16="http://schemas.microsoft.com/office/powerpoint/2015/main" val="1"/>
+                </p:ext>
+              </p:extLst>
+            </p:nvPr>
+          </p:nvSpPr>
+          <p:spPr>
+            <a:xfrm>
+              <a:off x="10290315" y="0"/>
+              <a:ext cx="1130724" cy="565573"/>
+            </a:xfrm>
+            <a:custGeom>
+              <a:avLst/>
+              <a:gdLst>
+                <a:gd name="connsiteX0" fmla="*/ 21 w 1130724"/>
+                <a:gd name="connsiteY0" fmla="*/ 0 h 565573"/>
+                <a:gd name="connsiteX1" fmla="*/ 1130703 w 1130724"/>
+                <a:gd name="connsiteY1" fmla="*/ 0 h 565573"/>
+                <a:gd name="connsiteX2" fmla="*/ 1130724 w 1130724"/>
+                <a:gd name="connsiteY2" fmla="*/ 211 h 565573"/>
+                <a:gd name="connsiteX3" fmla="*/ 565362 w 1130724"/>
+                <a:gd name="connsiteY3" fmla="*/ 565573 h 565573"/>
+                <a:gd name="connsiteX4" fmla="*/ 0 w 1130724"/>
+                <a:gd name="connsiteY4" fmla="*/ 211 h 565573"/>
+              </a:gdLst>
+              <a:ahLst/>
+              <a:cxnLst>
+                <a:cxn ang="0">
+                  <a:pos x="connsiteX0" y="connsiteY0"/>
+                </a:cxn>
+                <a:cxn ang="0">
+                  <a:pos x="connsiteX1" y="connsiteY1"/>
+                </a:cxn>
+                <a:cxn ang="0">
+                  <a:pos x="connsiteX2" y="connsiteY2"/>
+                </a:cxn>
+                <a:cxn ang="0">
+                  <a:pos x="connsiteX3" y="connsiteY3"/>
+                </a:cxn>
+                <a:cxn ang="0">
+                  <a:pos x="connsiteX4" y="connsiteY4"/>
+                </a:cxn>
+              </a:cxnLst>
+              <a:rect l="l" t="t" r="r" b="b"/>
+              <a:pathLst>
+                <a:path w="1130724" h="565573">
+                  <a:moveTo>
+                    <a:pt x="21" y="0"/>
+                  </a:moveTo>
+                  <a:lnTo>
+                    <a:pt x="1130703" y="0"/>
+                  </a:lnTo>
+                  <a:lnTo>
+                    <a:pt x="1130724" y="211"/>
+                  </a:lnTo>
+                  <a:cubicBezTo>
+                    <a:pt x="1130724" y="312452"/>
+                    <a:pt x="877603" y="565573"/>
+                    <a:pt x="565362" y="565573"/>
+                  </a:cubicBezTo>
+                  <a:cubicBezTo>
+                    <a:pt x="253121" y="565573"/>
+                    <a:pt x="0" y="312452"/>
+                    <a:pt x="0" y="211"/>
+                  </a:cubicBezTo>
+                  <a:close/>
+                </a:path>
+              </a:pathLst>
+            </a:custGeom>
+            <a:solidFill>
+              <a:schemeClr val="bg2"/>
+            </a:solidFill>
+            <a:ln>
+              <a:noFill/>
+            </a:ln>
+          </p:spPr>
+          <p:style>
+            <a:lnRef idx="2">
+              <a:schemeClr val="accent1">
+                <a:shade val="50000"/>
+              </a:schemeClr>
+            </a:lnRef>
+            <a:fillRef idx="1">
+              <a:schemeClr val="accent1"/>
+            </a:fillRef>
+            <a:effectRef idx="0">
+              <a:schemeClr val="accent1"/>
+            </a:effectRef>
+            <a:fontRef idx="minor">
+              <a:schemeClr val="lt1"/>
+            </a:fontRef>
+          </p:style>
+          <p:txBody>
+            <a:bodyPr wrap="square" rtlCol="0" anchor="ctr">
+              <a:noAutofit/>
+            </a:bodyPr>
+            <a:lstStyle/>
+            <a:p>
+              <a:pPr algn="ctr"/>
+              <a:endParaRPr lang="en-US"/>
+            </a:p>
+          </p:txBody>
+        </p:sp>
+        <p:sp>
+          <p:nvSpPr>
+            <p:cNvPr id="43" name="Freeform 86">
+              <a:extLst>
+                <a:ext uri="{FF2B5EF4-FFF2-40B4-BE49-F238E27FC236}">
+                  <a16:creationId xmlns:a16="http://schemas.microsoft.com/office/drawing/2014/main" id="{CAB80ED1-EE7D-3843-9750-C6C8C5F8EC4C}"/>
+                </a:ext>
+                <a:ext uri="{C183D7F6-B498-43B3-948B-1728B52AA6E4}">
+                  <adec:decorative xmlns:adec="http://schemas.microsoft.com/office/drawing/2017/decorative" val="1"/>
+                </a:ext>
+              </a:extLst>
+            </p:cNvPr>
+            <p:cNvSpPr/>
+            <p:nvPr>
+              <p:extLst>
+                <p:ext uri="{386F3935-93C4-4BCD-93E2-E3B085C9AB24}">
+                  <p16:designElem xmlns:p16="http://schemas.microsoft.com/office/powerpoint/2015/main" val="1"/>
+                </p:ext>
+              </p:extLst>
+            </p:nvPr>
+          </p:nvSpPr>
+          <p:spPr>
+            <a:xfrm>
+              <a:off x="11653180" y="6295093"/>
+              <a:ext cx="538821" cy="562907"/>
+            </a:xfrm>
+            <a:custGeom>
+              <a:avLst/>
+              <a:gdLst>
+                <a:gd name="connsiteX0" fmla="*/ 538821 w 538821"/>
+                <a:gd name="connsiteY0" fmla="*/ 0 h 562907"/>
+                <a:gd name="connsiteX1" fmla="*/ 538821 w 538821"/>
+                <a:gd name="connsiteY1" fmla="*/ 562907 h 562907"/>
+                <a:gd name="connsiteX2" fmla="*/ 22 w 538821"/>
+                <a:gd name="connsiteY2" fmla="*/ 562907 h 562907"/>
+                <a:gd name="connsiteX3" fmla="*/ 0 w 538821"/>
+                <a:gd name="connsiteY3" fmla="*/ 562686 h 562907"/>
+                <a:gd name="connsiteX4" fmla="*/ 451422 w 538821"/>
+                <a:gd name="connsiteY4" fmla="*/ 8810 h 562907"/>
+              </a:gdLst>
+              <a:ahLst/>
+              <a:cxnLst>
+                <a:cxn ang="0">
+                  <a:pos x="connsiteX0" y="connsiteY0"/>
+                </a:cxn>
+                <a:cxn ang="0">
+                  <a:pos x="connsiteX1" y="connsiteY1"/>
+                </a:cxn>
+                <a:cxn ang="0">
+                  <a:pos x="connsiteX2" y="connsiteY2"/>
+                </a:cxn>
+                <a:cxn ang="0">
+                  <a:pos x="connsiteX3" y="connsiteY3"/>
+                </a:cxn>
+                <a:cxn ang="0">
+                  <a:pos x="connsiteX4" y="connsiteY4"/>
+                </a:cxn>
+              </a:cxnLst>
+              <a:rect l="l" t="t" r="r" b="b"/>
+              <a:pathLst>
+                <a:path w="538821" h="562907">
+                  <a:moveTo>
+                    <a:pt x="538821" y="0"/>
+                  </a:moveTo>
+                  <a:lnTo>
+                    <a:pt x="538821" y="562907"/>
+                  </a:lnTo>
+                  <a:lnTo>
+                    <a:pt x="22" y="562907"/>
+                  </a:lnTo>
+                  <a:lnTo>
+                    <a:pt x="0" y="562686"/>
+                  </a:lnTo>
+                  <a:cubicBezTo>
+                    <a:pt x="0" y="289475"/>
+                    <a:pt x="193796" y="61528"/>
+                    <a:pt x="451422" y="8810"/>
+                  </a:cubicBezTo>
+                  <a:close/>
+                </a:path>
+              </a:pathLst>
+            </a:custGeom>
+            <a:solidFill>
+              <a:schemeClr val="bg2"/>
+            </a:solidFill>
+            <a:ln>
+              <a:noFill/>
+            </a:ln>
+          </p:spPr>
+          <p:style>
+            <a:lnRef idx="2">
+              <a:schemeClr val="accent1">
+                <a:shade val="50000"/>
+              </a:schemeClr>
+            </a:lnRef>
+            <a:fillRef idx="1">
+              <a:schemeClr val="accent1"/>
+            </a:fillRef>
+            <a:effectRef idx="0">
+              <a:schemeClr val="accent1"/>
+            </a:effectRef>
+            <a:fontRef idx="minor">
+              <a:schemeClr val="lt1"/>
+            </a:fontRef>
+          </p:style>
+          <p:txBody>
+            <a:bodyPr wrap="square" rtlCol="0" anchor="ctr">
+              <a:noAutofit/>
+            </a:bodyPr>
+            <a:lstStyle/>
+            <a:p>
+              <a:pPr algn="ctr"/>
+              <a:endParaRPr lang="en-US"/>
+            </a:p>
+          </p:txBody>
+        </p:sp>
+        <p:sp>
+          <p:nvSpPr>
+            <p:cNvPr id="44" name="Freeform 87">
+              <a:extLst>
+                <a:ext uri="{FF2B5EF4-FFF2-40B4-BE49-F238E27FC236}">
+                  <a16:creationId xmlns:a16="http://schemas.microsoft.com/office/drawing/2014/main" id="{8BCD1EDB-B320-594D-86D1-7A73424B2347}"/>
+                </a:ext>
+                <a:ext uri="{C183D7F6-B498-43B3-948B-1728B52AA6E4}">
+                  <adec:decorative xmlns:adec="http://schemas.microsoft.com/office/drawing/2017/decorative" val="1"/>
+                </a:ext>
+              </a:extLst>
+            </p:cNvPr>
+            <p:cNvSpPr/>
+            <p:nvPr>
+              <p:extLst>
+                <p:ext uri="{386F3935-93C4-4BCD-93E2-E3B085C9AB24}">
+                  <p16:designElem xmlns:p16="http://schemas.microsoft.com/office/powerpoint/2015/main" val="1"/>
+                </p:ext>
+              </p:extLst>
+            </p:nvPr>
+          </p:nvSpPr>
+          <p:spPr>
+            <a:xfrm>
+              <a:off x="11653180" y="3552066"/>
+              <a:ext cx="538821" cy="1125373"/>
+            </a:xfrm>
+            <a:custGeom>
+              <a:avLst/>
+              <a:gdLst>
+                <a:gd name="connsiteX0" fmla="*/ 538821 w 538821"/>
+                <a:gd name="connsiteY0" fmla="*/ 0 h 1125373"/>
+                <a:gd name="connsiteX1" fmla="*/ 538821 w 538821"/>
+                <a:gd name="connsiteY1" fmla="*/ 1125373 h 1125373"/>
+                <a:gd name="connsiteX2" fmla="*/ 451422 w 538821"/>
+                <a:gd name="connsiteY2" fmla="*/ 1116562 h 1125373"/>
+                <a:gd name="connsiteX3" fmla="*/ 0 w 538821"/>
+                <a:gd name="connsiteY3" fmla="*/ 562686 h 1125373"/>
+                <a:gd name="connsiteX4" fmla="*/ 451422 w 538821"/>
+                <a:gd name="connsiteY4" fmla="*/ 8810 h 1125373"/>
+              </a:gdLst>
+              <a:ahLst/>
+              <a:cxnLst>
+                <a:cxn ang="0">
+                  <a:pos x="connsiteX0" y="connsiteY0"/>
+                </a:cxn>
+                <a:cxn ang="0">
+                  <a:pos x="connsiteX1" y="connsiteY1"/>
+                </a:cxn>
+                <a:cxn ang="0">
+                  <a:pos x="connsiteX2" y="connsiteY2"/>
+                </a:cxn>
+                <a:cxn ang="0">
+                  <a:pos x="connsiteX3" y="connsiteY3"/>
+                </a:cxn>
+                <a:cxn ang="0">
+                  <a:pos x="connsiteX4" y="connsiteY4"/>
+                </a:cxn>
+              </a:cxnLst>
+              <a:rect l="l" t="t" r="r" b="b"/>
+              <a:pathLst>
+                <a:path w="538821" h="1125373">
+                  <a:moveTo>
+                    <a:pt x="538821" y="0"/>
+                  </a:moveTo>
+                  <a:lnTo>
+                    <a:pt x="538821" y="1125373"/>
+                  </a:lnTo>
+                  <a:lnTo>
+                    <a:pt x="451422" y="1116562"/>
+                  </a:lnTo>
+                  <a:cubicBezTo>
+                    <a:pt x="193796" y="1063844"/>
+                    <a:pt x="0" y="835897"/>
+                    <a:pt x="0" y="562686"/>
+                  </a:cubicBezTo>
+                  <a:cubicBezTo>
+                    <a:pt x="0" y="289475"/>
+                    <a:pt x="193796" y="61528"/>
+                    <a:pt x="451422" y="8810"/>
+                  </a:cubicBezTo>
+                  <a:close/>
+                </a:path>
+              </a:pathLst>
+            </a:custGeom>
+            <a:solidFill>
+              <a:schemeClr val="bg2"/>
+            </a:solidFill>
+            <a:ln>
+              <a:noFill/>
+            </a:ln>
+          </p:spPr>
+          <p:style>
+            <a:lnRef idx="2">
+              <a:schemeClr val="accent1">
+                <a:shade val="50000"/>
+              </a:schemeClr>
+            </a:lnRef>
+            <a:fillRef idx="1">
+              <a:schemeClr val="accent1"/>
+            </a:fillRef>
+            <a:effectRef idx="0">
+              <a:schemeClr val="accent1"/>
+            </a:effectRef>
+            <a:fontRef idx="minor">
+              <a:schemeClr val="lt1"/>
+            </a:fontRef>
+          </p:style>
+          <p:txBody>
+            <a:bodyPr wrap="square" rtlCol="0" anchor="ctr">
+              <a:noAutofit/>
+            </a:bodyPr>
+            <a:lstStyle/>
+            <a:p>
+              <a:pPr algn="ctr"/>
+              <a:endParaRPr lang="en-US"/>
+            </a:p>
+          </p:txBody>
+        </p:sp>
+        <p:sp>
+          <p:nvSpPr>
+            <p:cNvPr id="45" name="Freeform 88">
+              <a:extLst>
+                <a:ext uri="{FF2B5EF4-FFF2-40B4-BE49-F238E27FC236}">
+                  <a16:creationId xmlns:a16="http://schemas.microsoft.com/office/drawing/2014/main" id="{A6B97414-A09F-8647-823F-295A0FEF5DDB}"/>
+                </a:ext>
+                <a:ext uri="{C183D7F6-B498-43B3-948B-1728B52AA6E4}">
+                  <adec:decorative xmlns:adec="http://schemas.microsoft.com/office/drawing/2017/decorative" val="1"/>
+                </a:ext>
+              </a:extLst>
+            </p:cNvPr>
+            <p:cNvSpPr/>
+            <p:nvPr>
+              <p:extLst>
+                <p:ext uri="{386F3935-93C4-4BCD-93E2-E3B085C9AB24}">
+                  <p16:designElem xmlns:p16="http://schemas.microsoft.com/office/powerpoint/2015/main" val="1"/>
+                </p:ext>
+              </p:extLst>
+            </p:nvPr>
+          </p:nvSpPr>
+          <p:spPr>
+            <a:xfrm>
+              <a:off x="11653180" y="2180552"/>
+              <a:ext cx="538821" cy="1125373"/>
+            </a:xfrm>
+            <a:custGeom>
+              <a:avLst/>
+              <a:gdLst>
+                <a:gd name="connsiteX0" fmla="*/ 538821 w 538821"/>
+                <a:gd name="connsiteY0" fmla="*/ 0 h 1125373"/>
+                <a:gd name="connsiteX1" fmla="*/ 538821 w 538821"/>
+                <a:gd name="connsiteY1" fmla="*/ 1125373 h 1125373"/>
+                <a:gd name="connsiteX2" fmla="*/ 451422 w 538821"/>
+                <a:gd name="connsiteY2" fmla="*/ 1116562 h 1125373"/>
+                <a:gd name="connsiteX3" fmla="*/ 0 w 538821"/>
+                <a:gd name="connsiteY3" fmla="*/ 562686 h 1125373"/>
+                <a:gd name="connsiteX4" fmla="*/ 451422 w 538821"/>
+                <a:gd name="connsiteY4" fmla="*/ 8810 h 1125373"/>
+              </a:gdLst>
+              <a:ahLst/>
+              <a:cxnLst>
+                <a:cxn ang="0">
+                  <a:pos x="connsiteX0" y="connsiteY0"/>
+                </a:cxn>
+                <a:cxn ang="0">
+                  <a:pos x="connsiteX1" y="connsiteY1"/>
+                </a:cxn>
+                <a:cxn ang="0">
+                  <a:pos x="connsiteX2" y="connsiteY2"/>
+                </a:cxn>
+                <a:cxn ang="0">
+                  <a:pos x="connsiteX3" y="connsiteY3"/>
+                </a:cxn>
+                <a:cxn ang="0">
+                  <a:pos x="connsiteX4" y="connsiteY4"/>
+                </a:cxn>
+              </a:cxnLst>
+              <a:rect l="l" t="t" r="r" b="b"/>
+              <a:pathLst>
+                <a:path w="538821" h="1125373">
+                  <a:moveTo>
+                    <a:pt x="538821" y="0"/>
+                  </a:moveTo>
+                  <a:lnTo>
+                    <a:pt x="538821" y="1125373"/>
+                  </a:lnTo>
+                  <a:lnTo>
+                    <a:pt x="451422" y="1116562"/>
+                  </a:lnTo>
+                  <a:cubicBezTo>
+                    <a:pt x="193796" y="1063844"/>
+                    <a:pt x="0" y="835897"/>
+                    <a:pt x="0" y="562686"/>
+                  </a:cubicBezTo>
+                  <a:cubicBezTo>
+                    <a:pt x="0" y="289475"/>
+                    <a:pt x="193796" y="61528"/>
+                    <a:pt x="451422" y="8810"/>
+                  </a:cubicBezTo>
+                  <a:close/>
+                </a:path>
+              </a:pathLst>
+            </a:custGeom>
+            <a:solidFill>
+              <a:schemeClr val="bg2"/>
+            </a:solidFill>
+            <a:ln>
+              <a:noFill/>
+            </a:ln>
+          </p:spPr>
+          <p:style>
+            <a:lnRef idx="2">
+              <a:schemeClr val="accent1">
+                <a:shade val="50000"/>
+              </a:schemeClr>
+            </a:lnRef>
+            <a:fillRef idx="1">
+              <a:schemeClr val="accent1"/>
+            </a:fillRef>
+            <a:effectRef idx="0">
+              <a:schemeClr val="accent1"/>
+            </a:effectRef>
+            <a:fontRef idx="minor">
+              <a:schemeClr val="lt1"/>
+            </a:fontRef>
+          </p:style>
+          <p:txBody>
+            <a:bodyPr wrap="square" rtlCol="0" anchor="ctr">
+              <a:noAutofit/>
+            </a:bodyPr>
+            <a:lstStyle/>
+            <a:p>
+              <a:pPr algn="ctr"/>
+              <a:endParaRPr lang="en-US"/>
+            </a:p>
+          </p:txBody>
+        </p:sp>
+        <p:sp>
+          <p:nvSpPr>
+            <p:cNvPr id="46" name="Freeform 89">
+              <a:extLst>
+                <a:ext uri="{FF2B5EF4-FFF2-40B4-BE49-F238E27FC236}">
+                  <a16:creationId xmlns:a16="http://schemas.microsoft.com/office/drawing/2014/main" id="{BA92AD33-EF27-124E-AF6E-9BA5401EC2AA}"/>
+                </a:ext>
+                <a:ext uri="{C183D7F6-B498-43B3-948B-1728B52AA6E4}">
+                  <adec:decorative xmlns:adec="http://schemas.microsoft.com/office/drawing/2017/decorative" val="1"/>
+                </a:ext>
+              </a:extLst>
+            </p:cNvPr>
+            <p:cNvSpPr/>
+            <p:nvPr>
+              <p:extLst>
+                <p:ext uri="{386F3935-93C4-4BCD-93E2-E3B085C9AB24}">
+                  <p16:designElem xmlns:p16="http://schemas.microsoft.com/office/powerpoint/2015/main" val="1"/>
+                </p:ext>
+              </p:extLst>
+            </p:nvPr>
+          </p:nvSpPr>
+          <p:spPr>
+            <a:xfrm>
+              <a:off x="11653180" y="809039"/>
+              <a:ext cx="538821" cy="1125373"/>
+            </a:xfrm>
+            <a:custGeom>
+              <a:avLst/>
+              <a:gdLst>
+                <a:gd name="connsiteX0" fmla="*/ 538821 w 538821"/>
+                <a:gd name="connsiteY0" fmla="*/ 0 h 1125373"/>
+                <a:gd name="connsiteX1" fmla="*/ 538821 w 538821"/>
+                <a:gd name="connsiteY1" fmla="*/ 1125373 h 1125373"/>
+                <a:gd name="connsiteX2" fmla="*/ 451422 w 538821"/>
+                <a:gd name="connsiteY2" fmla="*/ 1116562 h 1125373"/>
+                <a:gd name="connsiteX3" fmla="*/ 0 w 538821"/>
+                <a:gd name="connsiteY3" fmla="*/ 562686 h 1125373"/>
+                <a:gd name="connsiteX4" fmla="*/ 451422 w 538821"/>
+                <a:gd name="connsiteY4" fmla="*/ 8810 h 1125373"/>
+              </a:gdLst>
+              <a:ahLst/>
+              <a:cxnLst>
+                <a:cxn ang="0">
+                  <a:pos x="connsiteX0" y="connsiteY0"/>
+                </a:cxn>
+                <a:cxn ang="0">
+                  <a:pos x="connsiteX1" y="connsiteY1"/>
+                </a:cxn>
+                <a:cxn ang="0">
+                  <a:pos x="connsiteX2" y="connsiteY2"/>
+                </a:cxn>
+                <a:cxn ang="0">
+                  <a:pos x="connsiteX3" y="connsiteY3"/>
+                </a:cxn>
+                <a:cxn ang="0">
+                  <a:pos x="connsiteX4" y="connsiteY4"/>
+                </a:cxn>
+              </a:cxnLst>
+              <a:rect l="l" t="t" r="r" b="b"/>
+              <a:pathLst>
+                <a:path w="538821" h="1125373">
+                  <a:moveTo>
+                    <a:pt x="538821" y="0"/>
+                  </a:moveTo>
+                  <a:lnTo>
+                    <a:pt x="538821" y="1125373"/>
+                  </a:lnTo>
+                  <a:lnTo>
+                    <a:pt x="451422" y="1116562"/>
+                  </a:lnTo>
+                  <a:cubicBezTo>
+                    <a:pt x="193796" y="1063844"/>
+                    <a:pt x="0" y="835897"/>
+                    <a:pt x="0" y="562686"/>
+                  </a:cubicBezTo>
+                  <a:cubicBezTo>
+                    <a:pt x="0" y="289475"/>
+                    <a:pt x="193796" y="61528"/>
+                    <a:pt x="451422" y="8810"/>
+                  </a:cubicBezTo>
+                  <a:close/>
+                </a:path>
+              </a:pathLst>
+            </a:custGeom>
+            <a:solidFill>
+              <a:schemeClr val="accent1"/>
+            </a:solidFill>
+            <a:ln>
+              <a:noFill/>
+            </a:ln>
+          </p:spPr>
+          <p:style>
+            <a:lnRef idx="2">
+              <a:schemeClr val="accent1">
+                <a:shade val="50000"/>
+              </a:schemeClr>
+            </a:lnRef>
+            <a:fillRef idx="1">
+              <a:schemeClr val="accent1"/>
+            </a:fillRef>
+            <a:effectRef idx="0">
+              <a:schemeClr val="accent1"/>
+            </a:effectRef>
+            <a:fontRef idx="minor">
+              <a:schemeClr val="lt1"/>
+            </a:fontRef>
+          </p:style>
+          <p:txBody>
+            <a:bodyPr wrap="square" rtlCol="0" anchor="ctr">
+              <a:noAutofit/>
+            </a:bodyPr>
+            <a:lstStyle/>
+            <a:p>
+              <a:pPr algn="ctr"/>
+              <a:endParaRPr lang="en-US"/>
+            </a:p>
+          </p:txBody>
+        </p:sp>
+        <p:sp>
+          <p:nvSpPr>
+            <p:cNvPr id="47" name="Freeform 98">
+              <a:extLst>
+                <a:ext uri="{FF2B5EF4-FFF2-40B4-BE49-F238E27FC236}">
+                  <a16:creationId xmlns:a16="http://schemas.microsoft.com/office/drawing/2014/main" id="{24B8C792-BD2C-6D48-93EE-D615EF38F23C}"/>
+                </a:ext>
+                <a:ext uri="{C183D7F6-B498-43B3-948B-1728B52AA6E4}">
+                  <adec:decorative xmlns:adec="http://schemas.microsoft.com/office/drawing/2017/decorative" val="1"/>
+                </a:ext>
+              </a:extLst>
+            </p:cNvPr>
+            <p:cNvSpPr/>
+            <p:nvPr>
+              <p:extLst>
+                <p:ext uri="{386F3935-93C4-4BCD-93E2-E3B085C9AB24}">
+                  <p16:designElem xmlns:p16="http://schemas.microsoft.com/office/powerpoint/2015/main" val="1"/>
+                </p:ext>
+              </p:extLst>
+            </p:nvPr>
+          </p:nvSpPr>
+          <p:spPr>
+            <a:xfrm>
+              <a:off x="11653180" y="0"/>
+              <a:ext cx="538821" cy="562898"/>
+            </a:xfrm>
+            <a:custGeom>
+              <a:avLst/>
+              <a:gdLst>
+                <a:gd name="connsiteX0" fmla="*/ 21 w 538821"/>
+                <a:gd name="connsiteY0" fmla="*/ 0 h 562898"/>
+                <a:gd name="connsiteX1" fmla="*/ 538821 w 538821"/>
+                <a:gd name="connsiteY1" fmla="*/ 0 h 562898"/>
+                <a:gd name="connsiteX2" fmla="*/ 538821 w 538821"/>
+                <a:gd name="connsiteY2" fmla="*/ 562898 h 562898"/>
+                <a:gd name="connsiteX3" fmla="*/ 451422 w 538821"/>
+                <a:gd name="connsiteY3" fmla="*/ 554087 h 562898"/>
+                <a:gd name="connsiteX4" fmla="*/ 0 w 538821"/>
+                <a:gd name="connsiteY4" fmla="*/ 211 h 562898"/>
+              </a:gdLst>
+              <a:ahLst/>
+              <a:cxnLst>
+                <a:cxn ang="0">
+                  <a:pos x="connsiteX0" y="connsiteY0"/>
+                </a:cxn>
+                <a:cxn ang="0">
+                  <a:pos x="connsiteX1" y="connsiteY1"/>
+                </a:cxn>
+                <a:cxn ang="0">
+                  <a:pos x="connsiteX2" y="connsiteY2"/>
+                </a:cxn>
+                <a:cxn ang="0">
+                  <a:pos x="connsiteX3" y="connsiteY3"/>
+                </a:cxn>
+                <a:cxn ang="0">
+                  <a:pos x="connsiteX4" y="connsiteY4"/>
+                </a:cxn>
+              </a:cxnLst>
+              <a:rect l="l" t="t" r="r" b="b"/>
+              <a:pathLst>
+                <a:path w="538821" h="562898">
+                  <a:moveTo>
+                    <a:pt x="21" y="0"/>
+                  </a:moveTo>
+                  <a:lnTo>
+                    <a:pt x="538821" y="0"/>
+                  </a:lnTo>
+                  <a:lnTo>
+                    <a:pt x="538821" y="562898"/>
+                  </a:lnTo>
+                  <a:lnTo>
+                    <a:pt x="451422" y="554087"/>
+                  </a:lnTo>
+                  <a:cubicBezTo>
+                    <a:pt x="193796" y="501369"/>
+                    <a:pt x="0" y="273422"/>
+                    <a:pt x="0" y="211"/>
+                  </a:cubicBezTo>
+                  <a:close/>
+                </a:path>
+              </a:pathLst>
+            </a:custGeom>
+            <a:solidFill>
+              <a:schemeClr val="bg2"/>
+            </a:solidFill>
+            <a:ln>
+              <a:noFill/>
+            </a:ln>
+          </p:spPr>
+          <p:style>
+            <a:lnRef idx="2">
+              <a:schemeClr val="accent1">
+                <a:shade val="50000"/>
+              </a:schemeClr>
+            </a:lnRef>
+            <a:fillRef idx="1">
+              <a:schemeClr val="accent1"/>
+            </a:fillRef>
+            <a:effectRef idx="0">
+              <a:schemeClr val="accent1"/>
+            </a:effectRef>
+            <a:fontRef idx="minor">
+              <a:schemeClr val="lt1"/>
+            </a:fontRef>
+          </p:style>
+          <p:txBody>
+            <a:bodyPr wrap="square" rtlCol="0" anchor="ctr">
+              <a:noAutofit/>
+            </a:bodyPr>
+            <a:lstStyle/>
+            <a:p>
+              <a:pPr algn="ctr"/>
+              <a:endParaRPr lang="en-US"/>
+            </a:p>
+          </p:txBody>
+        </p:sp>
+      </p:grpSp>
+      <p:sp>
+        <p:nvSpPr>
+          <p:cNvPr id="2" name="Title 1">
+            <a:extLst>
+              <a:ext uri="{FF2B5EF4-FFF2-40B4-BE49-F238E27FC236}">
+                <a16:creationId xmlns:a16="http://schemas.microsoft.com/office/drawing/2014/main" id="{B3C39171-51AF-44ED-83A7-F9C7E22DE213}"/>
+              </a:ext>
+            </a:extLst>
+          </p:cNvPr>
+          <p:cNvSpPr>
+            <a:spLocks noGrp="1"/>
+          </p:cNvSpPr>
+          <p:nvPr>
+            <p:ph type="title"/>
+          </p:nvPr>
+        </p:nvSpPr>
+        <p:spPr>
+          <a:xfrm>
+            <a:off x="8902960" y="685799"/>
+            <a:ext cx="2918677" cy="4914897"/>
+          </a:xfrm>
+        </p:spPr>
+        <p:txBody>
+          <a:bodyPr vert="horz" lIns="91440" tIns="45720" rIns="91440" bIns="45720" rtlCol="0" anchor="t">
+            <a:normAutofit/>
+          </a:bodyPr>
+          <a:lstStyle/>
+          <a:p>
+            <a:r>
+              <a:rPr lang="en-US" sz="5400" dirty="0"/>
+              <a:t>Need More Ingest?</a:t>
+            </a:r>
+          </a:p>
+        </p:txBody>
+      </p:sp>
+      <p:cxnSp>
+        <p:nvCxnSpPr>
+          <p:cNvPr id="49" name="Straight Connector 48">
+            <a:extLst>
+              <a:ext uri="{FF2B5EF4-FFF2-40B4-BE49-F238E27FC236}">
+                <a16:creationId xmlns:a16="http://schemas.microsoft.com/office/drawing/2014/main" id="{EEA70831-9A8D-3B4D-8EA5-EE32F93E94E9}"/>
+              </a:ext>
+              <a:ext uri="{C183D7F6-B498-43B3-948B-1728B52AA6E4}">
+                <adec:decorative xmlns:adec="http://schemas.microsoft.com/office/drawing/2017/decorative" val="1"/>
+              </a:ext>
+            </a:extLst>
+          </p:cNvPr>
+          <p:cNvCxnSpPr>
+            <a:cxnSpLocks noGrp="1" noRot="1" noChangeAspect="1" noMove="1" noResize="1" noEditPoints="1" noAdjustHandles="1" noChangeArrowheads="1" noChangeShapeType="1"/>
+          </p:cNvCxnSpPr>
+          <p:nvPr>
+            <p:extLst>
+              <p:ext uri="{386F3935-93C4-4BCD-93E2-E3B085C9AB24}">
+                <p16:designElem xmlns:p16="http://schemas.microsoft.com/office/powerpoint/2015/main" val="1"/>
+              </p:ext>
+            </p:extLst>
+          </p:nvPr>
+        </p:nvCxnSpPr>
+        <p:spPr>
+          <a:xfrm>
+            <a:off x="7486649" y="6087110"/>
+            <a:ext cx="4134537" cy="0"/>
+          </a:xfrm>
+          <a:prstGeom prst="line">
+            <a:avLst/>
+          </a:prstGeom>
+          <a:ln w="12700">
+            <a:solidFill>
+              <a:schemeClr val="bg1">
+                <a:lumMod val="65000"/>
+              </a:schemeClr>
+            </a:solidFill>
+          </a:ln>
+        </p:spPr>
+        <p:style>
+          <a:lnRef idx="1">
+            <a:schemeClr val="accent1"/>
+          </a:lnRef>
+          <a:fillRef idx="0">
+            <a:schemeClr val="accent1"/>
+          </a:fillRef>
+          <a:effectRef idx="0">
+            <a:schemeClr val="accent1"/>
+          </a:effectRef>
+          <a:fontRef idx="minor">
+            <a:schemeClr val="tx1"/>
+          </a:fontRef>
+        </p:style>
+      </p:cxnSp>
+      <p:pic>
+        <p:nvPicPr>
+          <p:cNvPr id="4" name="Picture 3">
+            <a:extLst>
+              <a:ext uri="{FF2B5EF4-FFF2-40B4-BE49-F238E27FC236}">
+                <a16:creationId xmlns:a16="http://schemas.microsoft.com/office/drawing/2014/main" id="{65D0575D-9024-449D-AFCE-2DC6F63239D4}"/>
+              </a:ext>
+            </a:extLst>
+          </p:cNvPr>
+          <p:cNvPicPr>
+            <a:picLocks noChangeAspect="1"/>
+          </p:cNvPicPr>
+          <p:nvPr/>
+        </p:nvPicPr>
+        <p:blipFill>
+          <a:blip r:embed="rId2"/>
+          <a:stretch>
+            <a:fillRect/>
+          </a:stretch>
+        </p:blipFill>
+        <p:spPr>
+          <a:xfrm>
+            <a:off x="0" y="-1"/>
+            <a:ext cx="9032875" cy="6858000"/>
+          </a:xfrm>
+          <a:prstGeom prst="rect">
+            <a:avLst/>
+          </a:prstGeom>
+        </p:spPr>
+      </p:pic>
+    </p:spTree>
+    <p:extLst>
+      <p:ext uri="{BB962C8B-B14F-4D97-AF65-F5344CB8AC3E}">
+        <p14:creationId xmlns:p14="http://schemas.microsoft.com/office/powerpoint/2010/main" val="209770209"/>
+      </p:ext>
+    </p:extLst>
+  </p:cSld>
+  <p:clrMapOvr>
+    <a:masterClrMapping/>
+  </p:clrMapOvr>
+</p:sld>
+</file>
+
+<file path=ppt/slides/slide7.xml><?xml version="1.0" encoding="utf-8"?>
 <p:sld xmlns:a="http://schemas.openxmlformats.org/drawingml/2006/main" xmlns:r="http://schemas.openxmlformats.org/officeDocument/2006/relationships" xmlns:p="http://schemas.openxmlformats.org/presentationml/2006/main">
   <p:cSld>
     <p:spTree>
@@ -16575,7 +20132,7 @@
           <p:cNvPr id="2" name="Title 1">
             <a:extLst>
               <a:ext uri="{FF2B5EF4-FFF2-40B4-BE49-F238E27FC236}">
-                <a16:creationId xmlns:a16="http://schemas.microsoft.com/office/drawing/2014/main" id="{1BFC87DB-E3C2-46EF-A5EA-372A19F4BC16}"/>
+                <a16:creationId xmlns:a16="http://schemas.microsoft.com/office/drawing/2014/main" id="{B6BFCD5D-893D-48CB-98A4-0F15A2B70368}"/>
               </a:ext>
             </a:extLst>
           </p:cNvPr>
@@ -16586,14 +20143,21 @@
             <p:ph type="title"/>
           </p:nvPr>
         </p:nvSpPr>
-        <p:spPr/>
+        <p:spPr>
+          <a:xfrm>
+            <a:off x="565150" y="770890"/>
+            <a:ext cx="7335835" cy="633110"/>
+          </a:xfrm>
+        </p:spPr>
         <p:txBody>
-          <a:bodyPr/>
+          <a:bodyPr>
+            <a:normAutofit fontScale="90000"/>
+          </a:bodyPr>
           <a:lstStyle/>
           <a:p>
             <a:r>
               <a:rPr lang="en-US" dirty="0"/>
-              <a:t>What is AWS Batch?</a:t>
+              <a:t>Bonus! Ingest Lessons Learned</a:t>
             </a:r>
           </a:p>
         </p:txBody>
@@ -16603,7 +20167,7 @@
           <p:cNvPr id="3" name="Content Placeholder 2">
             <a:extLst>
               <a:ext uri="{FF2B5EF4-FFF2-40B4-BE49-F238E27FC236}">
-                <a16:creationId xmlns:a16="http://schemas.microsoft.com/office/drawing/2014/main" id="{C61E34DA-0F2F-4750-8A1A-379A703840C6}"/>
+                <a16:creationId xmlns:a16="http://schemas.microsoft.com/office/drawing/2014/main" id="{43FF73BD-0A43-4655-AB1D-6806AD8D208A}"/>
               </a:ext>
             </a:extLst>
           </p:cNvPr>
@@ -16616,64 +20180,70 @@
         </p:nvSpPr>
         <p:spPr>
           <a:xfrm>
-            <a:off x="565151" y="2160016"/>
-            <a:ext cx="6161470" cy="3601212"/>
+            <a:off x="565150" y="1627200"/>
+            <a:ext cx="8456450" cy="4134028"/>
           </a:xfrm>
         </p:spPr>
         <p:txBody>
           <a:bodyPr>
-            <a:normAutofit fontScale="92500" lnSpcReduction="10000"/>
+            <a:normAutofit/>
           </a:bodyPr>
           <a:lstStyle/>
           <a:p>
             <a:r>
               <a:rPr lang="en-US" dirty="0"/>
-              <a:t>Abstraction layer to simplify dynamic workloads</a:t>
+              <a:t>CW triggers guaranteed to run “at least once”</a:t>
             </a:r>
           </a:p>
           <a:p>
             <a:r>
               <a:rPr lang="en-US" dirty="0"/>
-              <a:t>Runs on either EC2 (Elastic Cloud  Compute) or ECS </a:t>
-            </a:r>
-            <a:r>
-              <a:rPr lang="en-US" dirty="0" err="1"/>
-              <a:t>Fargate</a:t>
-            </a:r>
-            <a:r>
-              <a:rPr lang="en-US" dirty="0"/>
-              <a:t> (Elastic Container System)</a:t>
+              <a:t>Handle duplicate submission gracefully</a:t>
             </a:r>
           </a:p>
           <a:p>
             <a:r>
               <a:rPr lang="en-US" dirty="0"/>
-              <a:t>Consists of</a:t>
+              <a:t>Does real-time need to pause during full ingest?</a:t>
             </a:r>
           </a:p>
           <a:p>
-            <a:pPr lvl="1"/>
             <a:r>
               <a:rPr lang="en-US" dirty="0"/>
-              <a:t>Compute Environment: what it runs on</a:t>
+              <a:t>What happens if full ingest is interrupted? Durable Queue, such as SQS may help</a:t>
             </a:r>
           </a:p>
           <a:p>
-            <a:pPr lvl="1"/>
             <a:r>
               <a:rPr lang="en-US" dirty="0"/>
-              <a:t>Job Queue: FIFO scheduling</a:t>
+              <a:t>METRICS! Emit a “per-item” metric and consider other metrics/dimensions</a:t>
             </a:r>
           </a:p>
           <a:p>
-            <a:pPr lvl="1"/>
             <a:r>
               <a:rPr lang="en-US" dirty="0"/>
-              <a:t>Job Definition: Execution parameters, such as command line and Docker image</a:t>
+              <a:t>Ensure old items are removed? Enrich with a batch id</a:t>
             </a:r>
           </a:p>
           <a:p>
-            <a:pPr lvl="1"/>
+            <a:r>
+              <a:rPr lang="en-US" dirty="0"/>
+              <a:t>Enrich items with version id</a:t>
+            </a:r>
+          </a:p>
+          <a:p>
+            <a:endParaRPr lang="en-US" dirty="0"/>
+          </a:p>
+          <a:p>
+            <a:pPr marL="0" indent="0">
+              <a:buNone/>
+            </a:pPr>
+            <a:endParaRPr lang="en-US" dirty="0"/>
+          </a:p>
+          <a:p>
+            <a:endParaRPr lang="en-US" dirty="0"/>
+          </a:p>
+          <a:p>
             <a:endParaRPr lang="en-US" dirty="0"/>
           </a:p>
           <a:p>
@@ -16684,7 +20254,7 @@
     </p:spTree>
     <p:extLst>
       <p:ext uri="{BB962C8B-B14F-4D97-AF65-F5344CB8AC3E}">
-        <p14:creationId xmlns:p14="http://schemas.microsoft.com/office/powerpoint/2010/main" val="2429106961"/>
+        <p14:creationId xmlns:p14="http://schemas.microsoft.com/office/powerpoint/2010/main" val="2044953016"/>
       </p:ext>
     </p:extLst>
   </p:cSld>
@@ -16694,7 +20264,7 @@
 </p:sld>
 </file>
 
-<file path=ppt/slides/slide5.xml><?xml version="1.0" encoding="utf-8"?>
+<file path=ppt/slides/slide8.xml><?xml version="1.0" encoding="utf-8"?>
 <p:sld xmlns:a="http://schemas.openxmlformats.org/drawingml/2006/main" xmlns:r="http://schemas.openxmlformats.org/officeDocument/2006/relationships" xmlns:p="http://schemas.openxmlformats.org/presentationml/2006/main">
   <p:cSld>
     <p:spTree>
@@ -16716,7 +20286,7 @@
           <p:cNvPr id="2" name="Title 1">
             <a:extLst>
               <a:ext uri="{FF2B5EF4-FFF2-40B4-BE49-F238E27FC236}">
-                <a16:creationId xmlns:a16="http://schemas.microsoft.com/office/drawing/2014/main" id="{E3B6D1B4-7E64-455C-B75E-4ABA03661ED8}"/>
+                <a16:creationId xmlns:a16="http://schemas.microsoft.com/office/drawing/2014/main" id="{A2859BE8-5108-4D01-8F3D-A048BFD623C4}"/>
               </a:ext>
             </a:extLst>
           </p:cNvPr>
@@ -16734,45 +20304,104 @@
           <a:p>
             <a:r>
               <a:rPr lang="en-US" dirty="0"/>
-              <a:t>AWS Resource Relationship</a:t>
+              <a:t>AWS Batch Conclusions</a:t>
             </a:r>
           </a:p>
         </p:txBody>
       </p:sp>
-      <p:pic>
-        <p:nvPicPr>
-          <p:cNvPr id="24" name="Picture 23">
+      <p:sp>
+        <p:nvSpPr>
+          <p:cNvPr id="3" name="Content Placeholder 2">
             <a:extLst>
               <a:ext uri="{FF2B5EF4-FFF2-40B4-BE49-F238E27FC236}">
-                <a16:creationId xmlns:a16="http://schemas.microsoft.com/office/drawing/2014/main" id="{D8087245-67A0-4310-B777-8CD9343C12AE}"/>
+                <a16:creationId xmlns:a16="http://schemas.microsoft.com/office/drawing/2014/main" id="{BCAD222F-DF37-4F85-AC8A-B06E0201A40F}"/>
               </a:ext>
             </a:extLst>
           </p:cNvPr>
-          <p:cNvPicPr>
-            <a:picLocks noChangeAspect="1"/>
-          </p:cNvPicPr>
-          <p:nvPr/>
-        </p:nvPicPr>
-        <p:blipFill>
-          <a:blip r:embed="rId2"/>
-          <a:stretch>
-            <a:fillRect/>
-          </a:stretch>
-        </p:blipFill>
-        <p:spPr>
-          <a:xfrm>
-            <a:off x="1072509" y="1562104"/>
-            <a:ext cx="6496957" cy="4525006"/>
-          </a:xfrm>
-          <a:prstGeom prst="rect">
-            <a:avLst/>
-          </a:prstGeom>
-        </p:spPr>
-      </p:pic>
+          <p:cNvSpPr>
+            <a:spLocks noGrp="1"/>
+          </p:cNvSpPr>
+          <p:nvPr>
+            <p:ph idx="1"/>
+          </p:nvPr>
+        </p:nvSpPr>
+        <p:spPr/>
+        <p:txBody>
+          <a:bodyPr>
+            <a:normAutofit fontScale="92500"/>
+          </a:bodyPr>
+          <a:lstStyle/>
+          <a:p>
+            <a:r>
+              <a:rPr lang="en-US" dirty="0"/>
+              <a:t>Easy to set up and start using.</a:t>
+            </a:r>
+          </a:p>
+          <a:p>
+            <a:r>
+              <a:rPr lang="en-US" dirty="0"/>
+              <a:t>Saves time for </a:t>
+            </a:r>
+            <a:r>
+              <a:rPr lang="en-US" dirty="0" err="1"/>
+              <a:t>devs</a:t>
+            </a:r>
+            <a:r>
+              <a:rPr lang="en-US" dirty="0"/>
+              <a:t>.</a:t>
+            </a:r>
+          </a:p>
+          <a:p>
+            <a:r>
+              <a:rPr lang="en-US" dirty="0"/>
+              <a:t>Avoids use of active web server compute.</a:t>
+            </a:r>
+          </a:p>
+          <a:p>
+            <a:r>
+              <a:rPr lang="en-US" dirty="0" err="1"/>
+              <a:t>Devops</a:t>
+            </a:r>
+            <a:r>
+              <a:rPr lang="en-US" dirty="0"/>
+              <a:t> can limit the compute environment.</a:t>
+            </a:r>
+          </a:p>
+          <a:p>
+            <a:r>
+              <a:rPr lang="en-US" dirty="0"/>
+              <a:t>Compute can be resized per job, as needed.</a:t>
+            </a:r>
+          </a:p>
+          <a:p>
+            <a:r>
+              <a:rPr lang="en-US" dirty="0"/>
+              <a:t>Ideal for long-running, infrequent tasks as well as some short-running, more frequent tasks.</a:t>
+            </a:r>
+          </a:p>
+          <a:p>
+            <a:r>
+              <a:rPr lang="en-US" dirty="0"/>
+              <a:t>Logical step for those already using ECS </a:t>
+            </a:r>
+            <a:r>
+              <a:rPr lang="en-US" dirty="0" err="1"/>
+              <a:t>Fargate</a:t>
+            </a:r>
+            <a:endParaRPr lang="en-US" dirty="0"/>
+          </a:p>
+          <a:p>
+            <a:endParaRPr lang="en-US" dirty="0"/>
+          </a:p>
+          <a:p>
+            <a:endParaRPr lang="en-US" dirty="0"/>
+          </a:p>
+        </p:txBody>
+      </p:sp>
     </p:spTree>
     <p:extLst>
       <p:ext uri="{BB962C8B-B14F-4D97-AF65-F5344CB8AC3E}">
-        <p14:creationId xmlns:p14="http://schemas.microsoft.com/office/powerpoint/2010/main" val="2923041795"/>
+        <p14:creationId xmlns:p14="http://schemas.microsoft.com/office/powerpoint/2010/main" val="1153746312"/>
       </p:ext>
     </p:extLst>
   </p:cSld>
@@ -16782,7 +20411,7 @@
 </p:sld>
 </file>
 
-<file path=ppt/slides/slide6.xml><?xml version="1.0" encoding="utf-8"?>
+<file path=ppt/slides/slide9.xml><?xml version="1.0" encoding="utf-8"?>
 <p:sld xmlns:a="http://schemas.openxmlformats.org/drawingml/2006/main" xmlns:r="http://schemas.openxmlformats.org/officeDocument/2006/relationships" xmlns:p="http://schemas.openxmlformats.org/presentationml/2006/main">
   <p:cSld>
     <p:spTree>
@@ -16851,6 +20480,13 @@
             <a:r>
               <a:rPr lang="en-US" dirty="0"/>
               <a:t>Submit a job</a:t>
+            </a:r>
+          </a:p>
+          <a:p>
+            <a:pPr lvl="1"/>
+            <a:r>
+              <a:rPr lang="en-US" dirty="0"/>
+              <a:t>Review configuration</a:t>
             </a:r>
           </a:p>
           <a:p>

--- a/presentation/aws-batch-runner.pptx
+++ b/presentation/aws-batch-runner.pptx
@@ -2308,7 +2308,7 @@
             <a:fld id="{A5B0A250-5CC0-1746-B209-08E8B0DAE6AF}" type="datetimeFigureOut">
               <a:rPr lang="en-US" smtClean="0"/>
               <a:pPr algn="l"/>
-              <a:t>2/19/2022</a:t>
+              <a:t>2/21/2022</a:t>
             </a:fld>
             <a:endParaRPr lang="en-US" dirty="0"/>
           </a:p>
@@ -3770,7 +3770,7 @@
           <a:p>
             <a:fld id="{A5B0A250-5CC0-1746-B209-08E8B0DAE6AF}" type="datetimeFigureOut">
               <a:rPr lang="en-US" smtClean="0"/>
-              <a:t>2/19/2022</a:t>
+              <a:t>2/21/2022</a:t>
             </a:fld>
             <a:endParaRPr lang="en-US" dirty="0"/>
           </a:p>
@@ -4700,7 +4700,7 @@
           <a:p>
             <a:fld id="{A5B0A250-5CC0-1746-B209-08E8B0DAE6AF}" type="datetimeFigureOut">
               <a:rPr lang="en-US" smtClean="0"/>
-              <a:t>2/19/2022</a:t>
+              <a:t>2/21/2022</a:t>
             </a:fld>
             <a:endParaRPr lang="en-US"/>
           </a:p>
@@ -6157,7 +6157,7 @@
           <a:p>
             <a:fld id="{A5B0A250-5CC0-1746-B209-08E8B0DAE6AF}" type="datetimeFigureOut">
               <a:rPr lang="en-US" smtClean="0"/>
-              <a:t>2/19/2022</a:t>
+              <a:t>2/21/2022</a:t>
             </a:fld>
             <a:endParaRPr lang="en-US" dirty="0"/>
           </a:p>
@@ -8513,7 +8513,7 @@
           <a:p>
             <a:fld id="{A5B0A250-5CC0-1746-B209-08E8B0DAE6AF}" type="datetimeFigureOut">
               <a:rPr lang="en-US" smtClean="0"/>
-              <a:t>2/19/2022</a:t>
+              <a:t>2/21/2022</a:t>
             </a:fld>
             <a:endParaRPr lang="en-US" dirty="0"/>
           </a:p>
@@ -9554,7 +9554,7 @@
           <a:p>
             <a:fld id="{A5B0A250-5CC0-1746-B209-08E8B0DAE6AF}" type="datetimeFigureOut">
               <a:rPr lang="en-US" smtClean="0"/>
-              <a:t>2/19/2022</a:t>
+              <a:t>2/21/2022</a:t>
             </a:fld>
             <a:endParaRPr lang="en-US" dirty="0"/>
           </a:p>
@@ -10767,7 +10767,7 @@
           <a:p>
             <a:fld id="{A5B0A250-5CC0-1746-B209-08E8B0DAE6AF}" type="datetimeFigureOut">
               <a:rPr lang="en-US" smtClean="0"/>
-              <a:t>2/19/2022</a:t>
+              <a:t>2/21/2022</a:t>
             </a:fld>
             <a:endParaRPr lang="en-US" dirty="0"/>
           </a:p>
@@ -11676,7 +11676,7 @@
           <a:p>
             <a:fld id="{A5B0A250-5CC0-1746-B209-08E8B0DAE6AF}" type="datetimeFigureOut">
               <a:rPr lang="en-US" smtClean="0"/>
-              <a:t>2/19/2022</a:t>
+              <a:t>2/21/2022</a:t>
             </a:fld>
             <a:endParaRPr lang="en-US" dirty="0"/>
           </a:p>
@@ -11835,7 +11835,7 @@
             <a:fld id="{A5B0A250-5CC0-1746-B209-08E8B0DAE6AF}" type="datetimeFigureOut">
               <a:rPr lang="en-US" smtClean="0"/>
               <a:pPr/>
-              <a:t>2/19/2022</a:t>
+              <a:t>2/21/2022</a:t>
             </a:fld>
             <a:endParaRPr lang="en-US" dirty="0"/>
           </a:p>
@@ -12818,7 +12818,7 @@
           <a:p>
             <a:fld id="{A5B0A250-5CC0-1746-B209-08E8B0DAE6AF}" type="datetimeFigureOut">
               <a:rPr lang="en-US" smtClean="0"/>
-              <a:t>2/19/2022</a:t>
+              <a:t>2/21/2022</a:t>
             </a:fld>
             <a:endParaRPr lang="en-US" dirty="0"/>
           </a:p>
@@ -13880,7 +13880,7 @@
           <a:p>
             <a:fld id="{A5B0A250-5CC0-1746-B209-08E8B0DAE6AF}" type="datetimeFigureOut">
               <a:rPr lang="en-US" smtClean="0"/>
-              <a:t>2/19/2022</a:t>
+              <a:t>2/21/2022</a:t>
             </a:fld>
             <a:endParaRPr lang="en-US" dirty="0"/>
           </a:p>
@@ -14168,7 +14168,7 @@
             <a:fld id="{A5B0A250-5CC0-1746-B209-08E8B0DAE6AF}" type="datetimeFigureOut">
               <a:rPr lang="en-US" smtClean="0"/>
               <a:pPr/>
-              <a:t>2/19/2022</a:t>
+              <a:t>2/21/2022</a:t>
             </a:fld>
             <a:endParaRPr lang="en-US" dirty="0"/>
           </a:p>
@@ -15648,8 +15648,8 @@
         </p:nvSpPr>
         <p:spPr>
           <a:xfrm>
-            <a:off x="565151" y="2160016"/>
-            <a:ext cx="6161470" cy="3601212"/>
+            <a:off x="565150" y="2160016"/>
+            <a:ext cx="8406049" cy="3601212"/>
           </a:xfrm>
         </p:spPr>
         <p:txBody>
@@ -15702,6 +15702,12 @@
             <a:r>
               <a:rPr lang="en-US" dirty="0"/>
               <a:t>Job Definition: Execution parameters, such as command line and Docker image</a:t>
+            </a:r>
+          </a:p>
+          <a:p>
+            <a:r>
+              <a:rPr lang="en-US" dirty="0"/>
+              <a:t>Additional Cost: $0.00</a:t>
             </a:r>
           </a:p>
           <a:p>

--- a/presentation/aws-batch-runner.pptx
+++ b/presentation/aws-batch-runner.pptx
@@ -2308,7 +2308,7 @@
             <a:fld id="{A5B0A250-5CC0-1746-B209-08E8B0DAE6AF}" type="datetimeFigureOut">
               <a:rPr lang="en-US" smtClean="0"/>
               <a:pPr algn="l"/>
-              <a:t>2/21/2022</a:t>
+              <a:t>2/23/2022</a:t>
             </a:fld>
             <a:endParaRPr lang="en-US" dirty="0"/>
           </a:p>
@@ -3770,7 +3770,7 @@
           <a:p>
             <a:fld id="{A5B0A250-5CC0-1746-B209-08E8B0DAE6AF}" type="datetimeFigureOut">
               <a:rPr lang="en-US" smtClean="0"/>
-              <a:t>2/21/2022</a:t>
+              <a:t>2/23/2022</a:t>
             </a:fld>
             <a:endParaRPr lang="en-US" dirty="0"/>
           </a:p>
@@ -4700,7 +4700,7 @@
           <a:p>
             <a:fld id="{A5B0A250-5CC0-1746-B209-08E8B0DAE6AF}" type="datetimeFigureOut">
               <a:rPr lang="en-US" smtClean="0"/>
-              <a:t>2/21/2022</a:t>
+              <a:t>2/23/2022</a:t>
             </a:fld>
             <a:endParaRPr lang="en-US"/>
           </a:p>
@@ -6157,7 +6157,7 @@
           <a:p>
             <a:fld id="{A5B0A250-5CC0-1746-B209-08E8B0DAE6AF}" type="datetimeFigureOut">
               <a:rPr lang="en-US" smtClean="0"/>
-              <a:t>2/21/2022</a:t>
+              <a:t>2/23/2022</a:t>
             </a:fld>
             <a:endParaRPr lang="en-US" dirty="0"/>
           </a:p>
@@ -8513,7 +8513,7 @@
           <a:p>
             <a:fld id="{A5B0A250-5CC0-1746-B209-08E8B0DAE6AF}" type="datetimeFigureOut">
               <a:rPr lang="en-US" smtClean="0"/>
-              <a:t>2/21/2022</a:t>
+              <a:t>2/23/2022</a:t>
             </a:fld>
             <a:endParaRPr lang="en-US" dirty="0"/>
           </a:p>
@@ -9554,7 +9554,7 @@
           <a:p>
             <a:fld id="{A5B0A250-5CC0-1746-B209-08E8B0DAE6AF}" type="datetimeFigureOut">
               <a:rPr lang="en-US" smtClean="0"/>
-              <a:t>2/21/2022</a:t>
+              <a:t>2/23/2022</a:t>
             </a:fld>
             <a:endParaRPr lang="en-US" dirty="0"/>
           </a:p>
@@ -10767,7 +10767,7 @@
           <a:p>
             <a:fld id="{A5B0A250-5CC0-1746-B209-08E8B0DAE6AF}" type="datetimeFigureOut">
               <a:rPr lang="en-US" smtClean="0"/>
-              <a:t>2/21/2022</a:t>
+              <a:t>2/23/2022</a:t>
             </a:fld>
             <a:endParaRPr lang="en-US" dirty="0"/>
           </a:p>
@@ -11676,7 +11676,7 @@
           <a:p>
             <a:fld id="{A5B0A250-5CC0-1746-B209-08E8B0DAE6AF}" type="datetimeFigureOut">
               <a:rPr lang="en-US" smtClean="0"/>
-              <a:t>2/21/2022</a:t>
+              <a:t>2/23/2022</a:t>
             </a:fld>
             <a:endParaRPr lang="en-US" dirty="0"/>
           </a:p>
@@ -11835,7 +11835,7 @@
             <a:fld id="{A5B0A250-5CC0-1746-B209-08E8B0DAE6AF}" type="datetimeFigureOut">
               <a:rPr lang="en-US" smtClean="0"/>
               <a:pPr/>
-              <a:t>2/21/2022</a:t>
+              <a:t>2/23/2022</a:t>
             </a:fld>
             <a:endParaRPr lang="en-US" dirty="0"/>
           </a:p>
@@ -12818,7 +12818,7 @@
           <a:p>
             <a:fld id="{A5B0A250-5CC0-1746-B209-08E8B0DAE6AF}" type="datetimeFigureOut">
               <a:rPr lang="en-US" smtClean="0"/>
-              <a:t>2/21/2022</a:t>
+              <a:t>2/23/2022</a:t>
             </a:fld>
             <a:endParaRPr lang="en-US" dirty="0"/>
           </a:p>
@@ -13880,7 +13880,7 @@
           <a:p>
             <a:fld id="{A5B0A250-5CC0-1746-B209-08E8B0DAE6AF}" type="datetimeFigureOut">
               <a:rPr lang="en-US" smtClean="0"/>
-              <a:t>2/21/2022</a:t>
+              <a:t>2/23/2022</a:t>
             </a:fld>
             <a:endParaRPr lang="en-US" dirty="0"/>
           </a:p>
@@ -14168,7 +14168,7 @@
             <a:fld id="{A5B0A250-5CC0-1746-B209-08E8B0DAE6AF}" type="datetimeFigureOut">
               <a:rPr lang="en-US" smtClean="0"/>
               <a:pPr/>
-              <a:t>2/21/2022</a:t>
+              <a:t>2/23/2022</a:t>
             </a:fld>
             <a:endParaRPr lang="en-US" dirty="0"/>
           </a:p>
@@ -15779,10 +15779,10 @@
       </p:sp>
       <p:pic>
         <p:nvPicPr>
-          <p:cNvPr id="24" name="Picture 23">
+          <p:cNvPr id="4" name="Picture 3">
             <a:extLst>
               <a:ext uri="{FF2B5EF4-FFF2-40B4-BE49-F238E27FC236}">
-                <a16:creationId xmlns:a16="http://schemas.microsoft.com/office/drawing/2014/main" id="{D8087245-67A0-4310-B777-8CD9343C12AE}"/>
+                <a16:creationId xmlns:a16="http://schemas.microsoft.com/office/drawing/2014/main" id="{EA0C091D-7A9E-4516-8F26-C77CBE9A98C7}"/>
               </a:ext>
             </a:extLst>
           </p:cNvPr>
@@ -15799,8 +15799,8 @@
         </p:blipFill>
         <p:spPr>
           <a:xfrm>
-            <a:off x="1072509" y="1562104"/>
-            <a:ext cx="6496957" cy="4525006"/>
+            <a:off x="803522" y="1405382"/>
+            <a:ext cx="6477904" cy="4401164"/>
           </a:xfrm>
           <a:prstGeom prst="rect">
             <a:avLst/>
